--- a/source/assets/tech_intro.pptx
+++ b/source/assets/tech_intro.pptx
@@ -27,6 +27,7 @@
     <p:sldId id="272" r:id="rId24"/>
     <p:sldId id="273" r:id="rId25"/>
     <p:sldId id="274" r:id="rId26"/>
+    <p:sldId id="275" r:id="rId27"/>
   </p:sldIdLst>
   <p:sldSz cx="24384000" cy="13716000"/>
   <p:notesSz cx="6858000" cy="9144000"/>
@@ -3116,7 +3117,7 @@
       </p:grpSpPr>
       <p:sp>
         <p:nvSpPr>
-          <p:cNvPr id="137" name="Shape 137"/>
+          <p:cNvPr id="135" name="Shape 135"/>
           <p:cNvSpPr/>
           <p:nvPr>
             <p:ph type="title"/>
@@ -3143,7 +3144,7 @@
       </p:sp>
       <p:sp>
         <p:nvSpPr>
-          <p:cNvPr id="138" name="Shape 138"/>
+          <p:cNvPr id="136" name="Shape 136"/>
           <p:cNvSpPr/>
           <p:nvPr>
             <p:ph type="body" idx="1"/>
@@ -3258,7 +3259,7 @@
       </p:sp>
       <p:pic>
         <p:nvPicPr>
-          <p:cNvPr id="139" name="pasted-image.png"/>
+          <p:cNvPr id="137" name="pasted-image.png"/>
           <p:cNvPicPr/>
           <p:nvPr/>
         </p:nvPicPr>
@@ -3285,7 +3286,7 @@
       </p:pic>
       <p:pic>
         <p:nvPicPr>
-          <p:cNvPr id="140" name="pasted-image.png"/>
+          <p:cNvPr id="138" name="pasted-image.png"/>
           <p:cNvPicPr/>
           <p:nvPr/>
         </p:nvPicPr>
@@ -3312,7 +3313,7 @@
       </p:pic>
       <p:pic>
         <p:nvPicPr>
-          <p:cNvPr id="141" name="pasted-image.png"/>
+          <p:cNvPr id="139" name="pasted-image.png"/>
           <p:cNvPicPr/>
           <p:nvPr/>
         </p:nvPicPr>
@@ -3339,7 +3340,7 @@
       </p:pic>
       <p:pic>
         <p:nvPicPr>
-          <p:cNvPr id="142" name="pasted-image.png"/>
+          <p:cNvPr id="140" name="pasted-image.png"/>
           <p:cNvPicPr/>
           <p:nvPr/>
         </p:nvPicPr>
@@ -3366,7 +3367,7 @@
       </p:pic>
       <p:sp>
         <p:nvSpPr>
-          <p:cNvPr id="143" name="Shape 143"/>
+          <p:cNvPr id="141" name="Shape 141"/>
           <p:cNvSpPr/>
           <p:nvPr/>
         </p:nvSpPr>
@@ -3425,7 +3426,7 @@
       </p:sp>
       <p:pic>
         <p:nvPicPr>
-          <p:cNvPr id="144" name="pasted-image.png"/>
+          <p:cNvPr id="142" name="pasted-image.png"/>
           <p:cNvPicPr/>
           <p:nvPr/>
         </p:nvPicPr>
@@ -3452,7 +3453,7 @@
       </p:pic>
       <p:pic>
         <p:nvPicPr>
-          <p:cNvPr id="145" name="pasted-image.png"/>
+          <p:cNvPr id="143" name="pasted-image.png"/>
           <p:cNvPicPr/>
           <p:nvPr/>
         </p:nvPicPr>
@@ -3479,7 +3480,7 @@
       </p:pic>
       <p:pic>
         <p:nvPicPr>
-          <p:cNvPr id="146" name="pasted-image.png"/>
+          <p:cNvPr id="144" name="pasted-image.png"/>
           <p:cNvPicPr/>
           <p:nvPr/>
         </p:nvPicPr>
@@ -3506,7 +3507,7 @@
       </p:pic>
       <p:pic>
         <p:nvPicPr>
-          <p:cNvPr id="147" name="pasted-image.png"/>
+          <p:cNvPr id="145" name="pasted-image.png"/>
           <p:cNvPicPr/>
           <p:nvPr/>
         </p:nvPicPr>
@@ -3533,7 +3534,7 @@
       </p:pic>
       <p:sp>
         <p:nvSpPr>
-          <p:cNvPr id="148" name="Shape 148"/>
+          <p:cNvPr id="146" name="Shape 146"/>
           <p:cNvSpPr/>
           <p:nvPr/>
         </p:nvSpPr>
@@ -3586,7 +3587,7 @@
       </p:sp>
       <p:sp>
         <p:nvSpPr>
-          <p:cNvPr id="149" name="Shape 149"/>
+          <p:cNvPr id="147" name="Shape 147"/>
           <p:cNvSpPr/>
           <p:nvPr/>
         </p:nvSpPr>
@@ -3644,7 +3645,7 @@
       </p:sp>
       <p:sp>
         <p:nvSpPr>
-          <p:cNvPr id="150" name="Shape 150"/>
+          <p:cNvPr id="148" name="Shape 148"/>
           <p:cNvSpPr/>
           <p:nvPr/>
         </p:nvSpPr>
@@ -3688,7 +3689,7 @@
       </p:sp>
       <p:sp>
         <p:nvSpPr>
-          <p:cNvPr id="151" name="Shape 151"/>
+          <p:cNvPr id="149" name="Shape 149"/>
           <p:cNvSpPr/>
           <p:nvPr/>
         </p:nvSpPr>
@@ -3732,7 +3733,7 @@
       </p:sp>
       <p:sp>
         <p:nvSpPr>
-          <p:cNvPr id="152" name="Shape 152"/>
+          <p:cNvPr id="150" name="Shape 150"/>
           <p:cNvSpPr/>
           <p:nvPr/>
         </p:nvSpPr>
@@ -3776,7 +3777,7 @@
       </p:sp>
       <p:sp>
         <p:nvSpPr>
-          <p:cNvPr id="153" name="Shape 153"/>
+          <p:cNvPr id="151" name="Shape 151"/>
           <p:cNvSpPr/>
           <p:nvPr/>
         </p:nvSpPr>
@@ -3820,7 +3821,7 @@
       </p:sp>
       <p:sp>
         <p:nvSpPr>
-          <p:cNvPr id="154" name="Shape 154"/>
+          <p:cNvPr id="152" name="Shape 152"/>
           <p:cNvSpPr/>
           <p:nvPr/>
         </p:nvSpPr>
@@ -3864,7 +3865,7 @@
       </p:sp>
       <p:sp>
         <p:nvSpPr>
-          <p:cNvPr id="155" name="Shape 155"/>
+          <p:cNvPr id="153" name="Shape 153"/>
           <p:cNvSpPr/>
           <p:nvPr/>
         </p:nvSpPr>
@@ -3908,7 +3909,7 @@
       </p:sp>
       <p:sp>
         <p:nvSpPr>
-          <p:cNvPr id="156" name="Shape 156"/>
+          <p:cNvPr id="154" name="Shape 154"/>
           <p:cNvSpPr/>
           <p:nvPr/>
         </p:nvSpPr>
@@ -3952,7 +3953,7 @@
       </p:sp>
       <p:sp>
         <p:nvSpPr>
-          <p:cNvPr id="157" name="Shape 157"/>
+          <p:cNvPr id="155" name="Shape 155"/>
           <p:cNvSpPr/>
           <p:nvPr/>
         </p:nvSpPr>
@@ -4005,7 +4006,7 @@
       </p:sp>
       <p:sp>
         <p:nvSpPr>
-          <p:cNvPr id="158" name="Shape 158"/>
+          <p:cNvPr id="156" name="Shape 156"/>
           <p:cNvSpPr/>
           <p:nvPr/>
         </p:nvSpPr>
@@ -4043,7 +4044,7 @@
       </p:sp>
       <p:sp>
         <p:nvSpPr>
-          <p:cNvPr id="159" name="Shape 159"/>
+          <p:cNvPr id="157" name="Shape 157"/>
           <p:cNvSpPr/>
           <p:nvPr/>
         </p:nvSpPr>
@@ -4081,7 +4082,7 @@
       </p:sp>
       <p:sp>
         <p:nvSpPr>
-          <p:cNvPr id="160" name="Shape 160"/>
+          <p:cNvPr id="158" name="Shape 158"/>
           <p:cNvSpPr/>
           <p:nvPr/>
         </p:nvSpPr>
@@ -4119,7 +4120,7 @@
       </p:sp>
       <p:sp>
         <p:nvSpPr>
-          <p:cNvPr id="161" name="Shape 161"/>
+          <p:cNvPr id="159" name="Shape 159"/>
           <p:cNvSpPr/>
           <p:nvPr/>
         </p:nvSpPr>
@@ -4157,7 +4158,7 @@
       </p:sp>
       <p:sp>
         <p:nvSpPr>
-          <p:cNvPr id="162" name="Shape 162"/>
+          <p:cNvPr id="160" name="Shape 160"/>
           <p:cNvSpPr/>
           <p:nvPr/>
         </p:nvSpPr>
@@ -4195,7 +4196,7 @@
       </p:sp>
       <p:sp>
         <p:nvSpPr>
-          <p:cNvPr id="163" name="Shape 163"/>
+          <p:cNvPr id="161" name="Shape 161"/>
           <p:cNvSpPr/>
           <p:nvPr/>
         </p:nvSpPr>
@@ -4233,7 +4234,7 @@
       </p:sp>
       <p:sp>
         <p:nvSpPr>
-          <p:cNvPr id="164" name="Shape 164"/>
+          <p:cNvPr id="162" name="Shape 162"/>
           <p:cNvSpPr/>
           <p:nvPr/>
         </p:nvSpPr>
@@ -4297,7 +4298,7 @@
       </p:grpSpPr>
       <p:sp>
         <p:nvSpPr>
-          <p:cNvPr id="166" name="Shape 166"/>
+          <p:cNvPr id="164" name="Shape 164"/>
           <p:cNvSpPr/>
           <p:nvPr>
             <p:ph type="title"/>
@@ -4324,7 +4325,7 @@
       </p:sp>
       <p:sp>
         <p:nvSpPr>
-          <p:cNvPr id="167" name="Shape 167"/>
+          <p:cNvPr id="165" name="Shape 165"/>
           <p:cNvSpPr/>
           <p:nvPr>
             <p:ph type="body" idx="1"/>
@@ -4359,7 +4360,7 @@
       </p:sp>
       <p:pic>
         <p:nvPicPr>
-          <p:cNvPr id="168" name="dc_2.pdf"/>
+          <p:cNvPr id="166" name="dc_2.pdf"/>
           <p:cNvPicPr/>
           <p:nvPr/>
         </p:nvPicPr>
@@ -4413,7 +4414,7 @@
       </p:grpSpPr>
       <p:sp>
         <p:nvSpPr>
-          <p:cNvPr id="170" name="Shape 170"/>
+          <p:cNvPr id="168" name="Shape 168"/>
           <p:cNvSpPr/>
           <p:nvPr>
             <p:ph type="title"/>
@@ -4440,7 +4441,7 @@
       </p:sp>
       <p:sp>
         <p:nvSpPr>
-          <p:cNvPr id="171" name="Shape 171"/>
+          <p:cNvPr id="169" name="Shape 169"/>
           <p:cNvSpPr/>
           <p:nvPr>
             <p:ph type="body" idx="1"/>
@@ -4575,7 +4576,7 @@
       </p:sp>
       <p:pic>
         <p:nvPicPr>
-          <p:cNvPr id="172" name="version 2 wide.pdf"/>
+          <p:cNvPr id="170" name="version 2 wide.pdf"/>
           <p:cNvPicPr/>
           <p:nvPr/>
         </p:nvPicPr>
@@ -4628,7 +4629,7 @@
       </p:grpSpPr>
       <p:sp>
         <p:nvSpPr>
-          <p:cNvPr id="174" name="Shape 174"/>
+          <p:cNvPr id="172" name="Shape 172"/>
           <p:cNvSpPr/>
           <p:nvPr>
             <p:ph type="title"/>
@@ -4655,7 +4656,7 @@
       </p:sp>
       <p:sp>
         <p:nvSpPr>
-          <p:cNvPr id="175" name="Shape 175"/>
+          <p:cNvPr id="173" name="Shape 173"/>
           <p:cNvSpPr/>
           <p:nvPr>
             <p:ph type="body" idx="1"/>
@@ -4694,7 +4695,7 @@
       </p:sp>
       <p:pic>
         <p:nvPicPr>
-          <p:cNvPr id="176" name="pasted-image.png"/>
+          <p:cNvPr id="174" name="pasted-image.png"/>
           <p:cNvPicPr/>
           <p:nvPr/>
         </p:nvPicPr>
@@ -4721,7 +4722,7 @@
       </p:pic>
       <p:pic>
         <p:nvPicPr>
-          <p:cNvPr id="177" name="pasted-image.png"/>
+          <p:cNvPr id="175" name="pasted-image.png"/>
           <p:cNvPicPr/>
           <p:nvPr/>
         </p:nvPicPr>
@@ -4748,7 +4749,7 @@
       </p:pic>
       <p:sp>
         <p:nvSpPr>
-          <p:cNvPr id="178" name="Shape 178"/>
+          <p:cNvPr id="176" name="Shape 176"/>
           <p:cNvSpPr/>
           <p:nvPr/>
         </p:nvSpPr>
@@ -4792,7 +4793,7 @@
       </p:sp>
       <p:sp>
         <p:nvSpPr>
-          <p:cNvPr id="179" name="Shape 179"/>
+          <p:cNvPr id="177" name="Shape 177"/>
           <p:cNvSpPr/>
           <p:nvPr/>
         </p:nvSpPr>
@@ -4836,7 +4837,7 @@
       </p:sp>
       <p:pic>
         <p:nvPicPr>
-          <p:cNvPr id="180" name="version 2 wide.pdf"/>
+          <p:cNvPr id="178" name="version 2 wide.pdf"/>
           <p:cNvPicPr/>
           <p:nvPr/>
         </p:nvPicPr>
@@ -4889,7 +4890,7 @@
       </p:grpSpPr>
       <p:sp>
         <p:nvSpPr>
-          <p:cNvPr id="182" name="Shape 182"/>
+          <p:cNvPr id="180" name="Shape 180"/>
           <p:cNvSpPr/>
           <p:nvPr>
             <p:ph type="title"/>
@@ -4916,7 +4917,7 @@
       </p:sp>
       <p:pic>
         <p:nvPicPr>
-          <p:cNvPr id="183" name="pasted-image.png"/>
+          <p:cNvPr id="181" name="pasted-image.png"/>
           <p:cNvPicPr/>
           <p:nvPr/>
         </p:nvPicPr>
@@ -4943,7 +4944,7 @@
       </p:pic>
       <p:sp>
         <p:nvSpPr>
-          <p:cNvPr id="184" name="Shape 184"/>
+          <p:cNvPr id="182" name="Shape 182"/>
           <p:cNvSpPr/>
           <p:nvPr/>
         </p:nvSpPr>
@@ -4987,7 +4988,7 @@
       </p:sp>
       <p:sp>
         <p:nvSpPr>
-          <p:cNvPr id="185" name="Shape 185"/>
+          <p:cNvPr id="183" name="Shape 183"/>
           <p:cNvSpPr/>
           <p:nvPr/>
         </p:nvSpPr>
@@ -5031,7 +5032,7 @@
       </p:sp>
       <p:sp>
         <p:nvSpPr>
-          <p:cNvPr id="186" name="Shape 186"/>
+          <p:cNvPr id="184" name="Shape 184"/>
           <p:cNvSpPr/>
           <p:nvPr/>
         </p:nvSpPr>
@@ -5075,7 +5076,7 @@
       </p:sp>
       <p:pic>
         <p:nvPicPr>
-          <p:cNvPr id="187" name="version 2 wide.pdf"/>
+          <p:cNvPr id="185" name="version 2 wide.pdf"/>
           <p:cNvPicPr/>
           <p:nvPr/>
         </p:nvPicPr>
@@ -5128,7 +5129,7 @@
       </p:grpSpPr>
       <p:sp>
         <p:nvSpPr>
-          <p:cNvPr id="189" name="Shape 189"/>
+          <p:cNvPr id="187" name="Shape 187"/>
           <p:cNvSpPr/>
           <p:nvPr>
             <p:ph type="title"/>
@@ -5155,7 +5156,7 @@
       </p:sp>
       <p:sp>
         <p:nvSpPr>
-          <p:cNvPr id="190" name="Shape 190"/>
+          <p:cNvPr id="188" name="Shape 188"/>
           <p:cNvSpPr/>
           <p:nvPr>
             <p:ph type="body" idx="1"/>
@@ -5234,7 +5235,7 @@
       </p:sp>
       <p:sp>
         <p:nvSpPr>
-          <p:cNvPr id="191" name="Shape 191"/>
+          <p:cNvPr id="189" name="Shape 189"/>
           <p:cNvSpPr/>
           <p:nvPr/>
         </p:nvSpPr>
@@ -5344,7 +5345,7 @@
       </p:sp>
       <p:sp>
         <p:nvSpPr>
-          <p:cNvPr id="192" name="Shape 192"/>
+          <p:cNvPr id="190" name="Shape 190"/>
           <p:cNvSpPr/>
           <p:nvPr/>
         </p:nvSpPr>
@@ -5454,7 +5455,7 @@
       </p:sp>
       <p:sp>
         <p:nvSpPr>
-          <p:cNvPr id="193" name="Shape 193"/>
+          <p:cNvPr id="191" name="Shape 191"/>
           <p:cNvSpPr/>
           <p:nvPr/>
         </p:nvSpPr>
@@ -5508,7 +5509,7 @@
       </p:sp>
       <p:sp>
         <p:nvSpPr>
-          <p:cNvPr id="194" name="Shape 194"/>
+          <p:cNvPr id="192" name="Shape 192"/>
           <p:cNvSpPr/>
           <p:nvPr/>
         </p:nvSpPr>
@@ -5562,7 +5563,7 @@
       </p:sp>
       <p:pic>
         <p:nvPicPr>
-          <p:cNvPr id="195" name="version 2 wide.pdf"/>
+          <p:cNvPr id="193" name="version 2 wide.pdf"/>
           <p:cNvPicPr/>
           <p:nvPr/>
         </p:nvPicPr>
@@ -5615,7 +5616,7 @@
       </p:grpSpPr>
       <p:sp>
         <p:nvSpPr>
-          <p:cNvPr id="197" name="Shape 197"/>
+          <p:cNvPr id="195" name="Shape 195"/>
           <p:cNvSpPr/>
           <p:nvPr>
             <p:ph type="title"/>
@@ -5642,7 +5643,7 @@
       </p:sp>
       <p:sp>
         <p:nvSpPr>
-          <p:cNvPr id="198" name="Shape 198"/>
+          <p:cNvPr id="196" name="Shape 196"/>
           <p:cNvSpPr/>
           <p:nvPr>
             <p:ph type="body" idx="1"/>
@@ -5770,7 +5771,7 @@
       </p:sp>
       <p:pic>
         <p:nvPicPr>
-          <p:cNvPr id="199" name="version 2 wide.pdf"/>
+          <p:cNvPr id="197" name="version 2 wide.pdf"/>
           <p:cNvPicPr/>
           <p:nvPr/>
         </p:nvPicPr>
@@ -5823,7 +5824,7 @@
       </p:grpSpPr>
       <p:sp>
         <p:nvSpPr>
-          <p:cNvPr id="201" name="Shape 201"/>
+          <p:cNvPr id="199" name="Shape 199"/>
           <p:cNvSpPr/>
           <p:nvPr>
             <p:ph type="title"/>
@@ -5854,7 +5855,7 @@
       </p:sp>
       <p:sp>
         <p:nvSpPr>
-          <p:cNvPr id="202" name="Shape 202"/>
+          <p:cNvPr id="200" name="Shape 200"/>
           <p:cNvSpPr/>
           <p:nvPr>
             <p:ph type="body" idx="1"/>
@@ -5933,7 +5934,7 @@
       </p:sp>
       <p:pic>
         <p:nvPicPr>
-          <p:cNvPr id="203" name="version 2 wide.pdf"/>
+          <p:cNvPr id="201" name="version 2 wide.pdf"/>
           <p:cNvPicPr/>
           <p:nvPr/>
         </p:nvPicPr>
@@ -5986,19 +5987,107 @@
       </p:grpSpPr>
       <p:sp>
         <p:nvSpPr>
-          <p:cNvPr id="205" name="Shape 205"/>
-          <p:cNvSpPr/>
-          <p:nvPr/>
-        </p:nvSpPr>
-        <p:spPr>
-          <a:xfrm>
-            <a:off x="2387600" y="6061864"/>
-            <a:ext cx="19621500" cy="944572"/>
-          </a:xfrm>
-          <a:prstGeom prst="rect">
-            <a:avLst/>
-          </a:prstGeom>
-          <a:ln w="12700">
+          <p:cNvPr id="203" name="Shape 203"/>
+          <p:cNvSpPr/>
+          <p:nvPr>
+            <p:ph type="title"/>
+          </p:nvPr>
+        </p:nvSpPr>
+        <p:spPr>
+          <a:xfrm>
+            <a:off x="1066800" y="469900"/>
+            <a:ext cx="16731754" cy="1968500"/>
+          </a:xfrm>
+          <a:prstGeom prst="rect">
+            <a:avLst/>
+          </a:prstGeom>
+        </p:spPr>
+        <p:txBody>
+          <a:bodyPr/>
+          <a:lstStyle/>
+          <a:p>
+            <a:pPr lvl="0">
+              <a:defRPr sz="1800"/>
+            </a:pPr>
+            <a:r>
+              <a:rPr sz="5800"/>
+              <a:t>Services around DOIs</a:t>
+            </a:r>
+          </a:p>
+        </p:txBody>
+      </p:sp>
+      <p:pic>
+        <p:nvPicPr>
+          <p:cNvPr id="204" name="version 2 wide.pdf"/>
+          <p:cNvPicPr/>
+          <p:nvPr/>
+        </p:nvPicPr>
+        <p:blipFill>
+          <a:blip r:embed="rId2">
+            <a:extLst/>
+          </a:blip>
+          <a:stretch>
+            <a:fillRect/>
+          </a:stretch>
+        </p:blipFill>
+        <p:spPr>
+          <a:xfrm>
+            <a:off x="18135600" y="712397"/>
+            <a:ext cx="5181600" cy="1700784"/>
+          </a:xfrm>
+          <a:prstGeom prst="rect">
+            <a:avLst/>
+          </a:prstGeom>
+          <a:ln w="12700">
+            <a:miter lim="400000"/>
+          </a:ln>
+        </p:spPr>
+      </p:pic>
+      <p:pic>
+        <p:nvPicPr>
+          <p:cNvPr id="205" name="pasted-image.png"/>
+          <p:cNvPicPr/>
+          <p:nvPr/>
+        </p:nvPicPr>
+        <p:blipFill>
+          <a:blip r:embed="rId3">
+            <a:extLst/>
+          </a:blip>
+          <a:stretch>
+            <a:fillRect/>
+          </a:stretch>
+        </p:blipFill>
+        <p:spPr>
+          <a:xfrm>
+            <a:off x="1704589" y="4582299"/>
+            <a:ext cx="5851341" cy="2140462"/>
+          </a:xfrm>
+          <a:prstGeom prst="rect">
+            <a:avLst/>
+          </a:prstGeom>
+          <a:ln w="12700">
+            <a:miter lim="400000"/>
+          </a:ln>
+        </p:spPr>
+      </p:pic>
+      <p:sp>
+        <p:nvSpPr>
+          <p:cNvPr id="206" name="Shape 206"/>
+          <p:cNvSpPr/>
+          <p:nvPr/>
+        </p:nvSpPr>
+        <p:spPr>
+          <a:xfrm>
+            <a:off x="1710939" y="3409950"/>
+            <a:ext cx="5838641" cy="969150"/>
+          </a:xfrm>
+          <a:prstGeom prst="rect">
+            <a:avLst/>
+          </a:prstGeom>
+          <a:ln w="12700">
+            <a:solidFill>
+              <a:srgbClr val="9A9A9A"/>
+            </a:solidFill>
             <a:miter lim="400000"/>
           </a:ln>
           <a:extLst>
@@ -6008,55 +6097,68 @@
           </a:extLst>
         </p:spPr>
         <p:txBody>
-          <a:bodyPr lIns="0" tIns="0" rIns="0" bIns="0" anchor="ctr">
-            <a:spAutoFit/>
-          </a:bodyPr>
+          <a:bodyPr lIns="50800" tIns="50800" rIns="50800" bIns="50800" anchor="ctr"/>
           <a:lstStyle>
-            <a:lvl1pPr defTabSz="647700">
-              <a:spcBef>
-                <a:spcPts val="3400"/>
-              </a:spcBef>
-              <a:defRPr sz="5600">
-                <a:solidFill>
-                  <a:srgbClr val="747474"/>
-                </a:solidFill>
-              </a:defRPr>
+            <a:lvl1pPr>
+              <a:defRPr sz="4000"/>
             </a:lvl1pPr>
           </a:lstStyle>
           <a:p>
             <a:pPr lvl="0">
-              <a:defRPr sz="1800">
-                <a:solidFill>
-                  <a:srgbClr val="000000"/>
-                </a:solidFill>
-              </a:defRPr>
-            </a:pPr>
-            <a:r>
-              <a:rPr sz="5600">
-                <a:solidFill>
-                  <a:srgbClr val="747474"/>
-                </a:solidFill>
-              </a:rPr>
-              <a:t>Questions?</a:t>
-            </a:r>
-          </a:p>
-        </p:txBody>
-      </p:sp>
-      <p:sp>
-        <p:nvSpPr>
-          <p:cNvPr id="206" name="Shape 206"/>
-          <p:cNvSpPr/>
-          <p:nvPr/>
-        </p:nvSpPr>
-        <p:spPr>
-          <a:xfrm>
-            <a:off x="2387600" y="7484264"/>
-            <a:ext cx="19621500" cy="944572"/>
-          </a:xfrm>
-          <a:prstGeom prst="rect">
-            <a:avLst/>
-          </a:prstGeom>
-          <a:ln w="12700">
+              <a:defRPr sz="1800"/>
+            </a:pPr>
+            <a:r>
+              <a:rPr sz="4000"/>
+              <a:t>Integrated search</a:t>
+            </a:r>
+          </a:p>
+        </p:txBody>
+      </p:sp>
+      <p:pic>
+        <p:nvPicPr>
+          <p:cNvPr id="207" name="pasted-image.png"/>
+          <p:cNvPicPr/>
+          <p:nvPr/>
+        </p:nvPicPr>
+        <p:blipFill>
+          <a:blip r:embed="rId4">
+            <a:extLst/>
+          </a:blip>
+          <a:stretch>
+            <a:fillRect/>
+          </a:stretch>
+        </p:blipFill>
+        <p:spPr>
+          <a:xfrm>
+            <a:off x="1689111" y="9020443"/>
+            <a:ext cx="5913254" cy="2438715"/>
+          </a:xfrm>
+          <a:prstGeom prst="rect">
+            <a:avLst/>
+          </a:prstGeom>
+          <a:ln w="12700">
+            <a:miter lim="400000"/>
+          </a:ln>
+        </p:spPr>
+      </p:pic>
+      <p:sp>
+        <p:nvSpPr>
+          <p:cNvPr id="208" name="Shape 208"/>
+          <p:cNvSpPr/>
+          <p:nvPr/>
+        </p:nvSpPr>
+        <p:spPr>
+          <a:xfrm>
+            <a:off x="1726418" y="7756061"/>
+            <a:ext cx="5838640" cy="969150"/>
+          </a:xfrm>
+          <a:prstGeom prst="rect">
+            <a:avLst/>
+          </a:prstGeom>
+          <a:ln w="12700">
+            <a:solidFill>
+              <a:srgbClr val="9A9A9A"/>
+            </a:solidFill>
             <a:miter lim="400000"/>
           </a:ln>
           <a:extLst>
@@ -6066,37 +6168,310 @@
           </a:extLst>
         </p:spPr>
         <p:txBody>
-          <a:bodyPr lIns="0" tIns="0" rIns="0" bIns="0" anchor="ctr">
-            <a:spAutoFit/>
-          </a:bodyPr>
-          <a:lstStyle/>
-          <a:p>
-            <a:pPr lvl="0" defTabSz="647700">
-              <a:spcBef>
-                <a:spcPts val="3400"/>
-              </a:spcBef>
+          <a:bodyPr lIns="50800" tIns="50800" rIns="50800" bIns="50800" anchor="ctr"/>
+          <a:lstStyle>
+            <a:lvl1pPr>
+              <a:defRPr sz="4000"/>
+            </a:lvl1pPr>
+          </a:lstStyle>
+          <a:p>
+            <a:pPr lvl="0">
               <a:defRPr sz="1800"/>
             </a:pPr>
             <a:r>
-              <a:rPr sz="5600" u="sng">
-                <a:solidFill>
-                  <a:srgbClr val="82A1AB"/>
-                </a:solidFill>
-                <a:hlinkClick r:id="rId2" invalidUrl="" action="" tgtFrame="" tooltip="" history="1" highlightClick="0" endSnd="0"/>
-              </a:rPr>
-              <a:t>support@datacite.org</a:t>
-            </a:r>
-            <a:r>
-              <a:rPr sz="5600">
-                <a:solidFill>
-                  <a:srgbClr val="82A1AB"/>
-                </a:solidFill>
-              </a:rPr>
-              <a:t> </a:t>
-            </a:r>
-          </a:p>
-        </p:txBody>
-      </p:sp>
+              <a:rPr sz="4000"/>
+              <a:t>Statistics</a:t>
+            </a:r>
+          </a:p>
+        </p:txBody>
+      </p:sp>
+      <p:pic>
+        <p:nvPicPr>
+          <p:cNvPr id="209" name="pasted-image.png"/>
+          <p:cNvPicPr/>
+          <p:nvPr/>
+        </p:nvPicPr>
+        <p:blipFill>
+          <a:blip r:embed="rId5">
+            <a:extLst/>
+          </a:blip>
+          <a:stretch>
+            <a:fillRect/>
+          </a:stretch>
+        </p:blipFill>
+        <p:spPr>
+          <a:xfrm>
+            <a:off x="8828413" y="4458557"/>
+            <a:ext cx="6138027" cy="2268252"/>
+          </a:xfrm>
+          <a:prstGeom prst="rect">
+            <a:avLst/>
+          </a:prstGeom>
+          <a:ln w="12700">
+            <a:miter lim="400000"/>
+          </a:ln>
+        </p:spPr>
+      </p:pic>
+      <p:pic>
+        <p:nvPicPr>
+          <p:cNvPr id="210" name="pasted-image.png"/>
+          <p:cNvPicPr/>
+          <p:nvPr/>
+        </p:nvPicPr>
+        <p:blipFill>
+          <a:blip r:embed="rId6">
+            <a:extLst/>
+          </a:blip>
+          <a:srcRect l="0" t="0" r="0" b="31656"/>
+          <a:stretch>
+            <a:fillRect/>
+          </a:stretch>
+        </p:blipFill>
+        <p:spPr>
+          <a:xfrm>
+            <a:off x="9575962" y="8869334"/>
+            <a:ext cx="4673885" cy="2605200"/>
+          </a:xfrm>
+          <a:prstGeom prst="rect">
+            <a:avLst/>
+          </a:prstGeom>
+          <a:ln w="12700">
+            <a:miter lim="400000"/>
+          </a:ln>
+        </p:spPr>
+      </p:pic>
+      <p:sp>
+        <p:nvSpPr>
+          <p:cNvPr id="211" name="Shape 211"/>
+          <p:cNvSpPr/>
+          <p:nvPr/>
+        </p:nvSpPr>
+        <p:spPr>
+          <a:xfrm>
+            <a:off x="8978106" y="3411006"/>
+            <a:ext cx="5838641" cy="969150"/>
+          </a:xfrm>
+          <a:prstGeom prst="rect">
+            <a:avLst/>
+          </a:prstGeom>
+          <a:ln w="12700">
+            <a:solidFill>
+              <a:srgbClr val="9A9A9A"/>
+            </a:solidFill>
+            <a:miter lim="400000"/>
+          </a:ln>
+          <a:extLst>
+            <a:ext uri="{C572A759-6A51-4108-AA02-DFA0A04FC94B}">
+              <ma14:wrappingTextBoxFlag xmlns:ma14="http://schemas.microsoft.com/office/mac/drawingml/2011/main" val="1"/>
+            </a:ext>
+          </a:extLst>
+        </p:spPr>
+        <p:txBody>
+          <a:bodyPr lIns="50800" tIns="50800" rIns="50800" bIns="50800" anchor="ctr"/>
+          <a:lstStyle>
+            <a:lvl1pPr>
+              <a:defRPr sz="4000"/>
+            </a:lvl1pPr>
+          </a:lstStyle>
+          <a:p>
+            <a:pPr lvl="0">
+              <a:defRPr sz="1800"/>
+            </a:pPr>
+            <a:r>
+              <a:rPr sz="4000"/>
+              <a:t>Service status</a:t>
+            </a:r>
+          </a:p>
+        </p:txBody>
+      </p:sp>
+      <p:sp>
+        <p:nvSpPr>
+          <p:cNvPr id="212" name="Shape 212"/>
+          <p:cNvSpPr/>
+          <p:nvPr/>
+        </p:nvSpPr>
+        <p:spPr>
+          <a:xfrm>
+            <a:off x="8993584" y="7756061"/>
+            <a:ext cx="5838641" cy="969150"/>
+          </a:xfrm>
+          <a:prstGeom prst="rect">
+            <a:avLst/>
+          </a:prstGeom>
+          <a:ln w="12700">
+            <a:solidFill>
+              <a:srgbClr val="9A9A9A"/>
+            </a:solidFill>
+            <a:miter lim="400000"/>
+          </a:ln>
+          <a:extLst>
+            <a:ext uri="{C572A759-6A51-4108-AA02-DFA0A04FC94B}">
+              <ma14:wrappingTextBoxFlag xmlns:ma14="http://schemas.microsoft.com/office/mac/drawingml/2011/main" val="1"/>
+            </a:ext>
+          </a:extLst>
+        </p:spPr>
+        <p:txBody>
+          <a:bodyPr lIns="50800" tIns="50800" rIns="50800" bIns="50800" anchor="ctr"/>
+          <a:lstStyle>
+            <a:lvl1pPr>
+              <a:defRPr sz="4000"/>
+            </a:lvl1pPr>
+          </a:lstStyle>
+          <a:p>
+            <a:pPr lvl="0">
+              <a:defRPr sz="1800"/>
+            </a:pPr>
+            <a:r>
+              <a:rPr sz="4000"/>
+              <a:t>Citation formatter</a:t>
+            </a:r>
+          </a:p>
+        </p:txBody>
+      </p:sp>
+      <p:sp>
+        <p:nvSpPr>
+          <p:cNvPr id="213" name="Shape 213"/>
+          <p:cNvSpPr/>
+          <p:nvPr/>
+        </p:nvSpPr>
+        <p:spPr>
+          <a:xfrm>
+            <a:off x="16245273" y="3409950"/>
+            <a:ext cx="5838641" cy="969150"/>
+          </a:xfrm>
+          <a:prstGeom prst="rect">
+            <a:avLst/>
+          </a:prstGeom>
+          <a:ln w="12700">
+            <a:solidFill>
+              <a:srgbClr val="9A9A9A"/>
+            </a:solidFill>
+            <a:miter lim="400000"/>
+          </a:ln>
+          <a:extLst>
+            <a:ext uri="{C572A759-6A51-4108-AA02-DFA0A04FC94B}">
+              <ma14:wrappingTextBoxFlag xmlns:ma14="http://schemas.microsoft.com/office/mac/drawingml/2011/main" val="1"/>
+            </a:ext>
+          </a:extLst>
+        </p:spPr>
+        <p:txBody>
+          <a:bodyPr lIns="50800" tIns="50800" rIns="50800" bIns="50800" anchor="ctr"/>
+          <a:lstStyle>
+            <a:lvl1pPr>
+              <a:defRPr sz="4000"/>
+            </a:lvl1pPr>
+          </a:lstStyle>
+          <a:p>
+            <a:pPr lvl="0">
+              <a:defRPr sz="1800"/>
+            </a:pPr>
+            <a:r>
+              <a:rPr sz="4000"/>
+              <a:t>re3data</a:t>
+            </a:r>
+          </a:p>
+        </p:txBody>
+      </p:sp>
+      <p:pic>
+        <p:nvPicPr>
+          <p:cNvPr id="214" name="pasted-image.png"/>
+          <p:cNvPicPr/>
+          <p:nvPr/>
+        </p:nvPicPr>
+        <p:blipFill>
+          <a:blip r:embed="rId7">
+            <a:extLst/>
+          </a:blip>
+          <a:srcRect l="0" t="0" r="0" b="10598"/>
+          <a:stretch>
+            <a:fillRect/>
+          </a:stretch>
+        </p:blipFill>
+        <p:spPr>
+          <a:xfrm>
+            <a:off x="16573793" y="4544018"/>
+            <a:ext cx="5181601" cy="2700663"/>
+          </a:xfrm>
+          <a:prstGeom prst="rect">
+            <a:avLst/>
+          </a:prstGeom>
+          <a:ln w="12700">
+            <a:miter lim="400000"/>
+          </a:ln>
+        </p:spPr>
+      </p:pic>
+      <p:sp>
+        <p:nvSpPr>
+          <p:cNvPr id="215" name="Shape 215"/>
+          <p:cNvSpPr/>
+          <p:nvPr/>
+        </p:nvSpPr>
+        <p:spPr>
+          <a:xfrm>
+            <a:off x="16260751" y="7756061"/>
+            <a:ext cx="5838641" cy="969150"/>
+          </a:xfrm>
+          <a:prstGeom prst="rect">
+            <a:avLst/>
+          </a:prstGeom>
+          <a:ln w="12700">
+            <a:solidFill>
+              <a:srgbClr val="9A9A9A"/>
+            </a:solidFill>
+            <a:miter lim="400000"/>
+          </a:ln>
+          <a:extLst>
+            <a:ext uri="{C572A759-6A51-4108-AA02-DFA0A04FC94B}">
+              <ma14:wrappingTextBoxFlag xmlns:ma14="http://schemas.microsoft.com/office/mac/drawingml/2011/main" val="1"/>
+            </a:ext>
+          </a:extLst>
+        </p:spPr>
+        <p:txBody>
+          <a:bodyPr lIns="50800" tIns="50800" rIns="50800" bIns="50800" anchor="ctr"/>
+          <a:lstStyle>
+            <a:lvl1pPr>
+              <a:defRPr sz="4000"/>
+            </a:lvl1pPr>
+          </a:lstStyle>
+          <a:p>
+            <a:pPr lvl="0">
+              <a:defRPr sz="1800"/>
+            </a:pPr>
+            <a:r>
+              <a:rPr sz="4000"/>
+              <a:t>OAI-PMH</a:t>
+            </a:r>
+          </a:p>
+        </p:txBody>
+      </p:sp>
+      <p:pic>
+        <p:nvPicPr>
+          <p:cNvPr id="216" name="pasted-image.png"/>
+          <p:cNvPicPr/>
+          <p:nvPr/>
+        </p:nvPicPr>
+        <p:blipFill>
+          <a:blip r:embed="rId8">
+            <a:extLst/>
+          </a:blip>
+          <a:srcRect l="1236" t="618" r="17844" b="618"/>
+          <a:stretch>
+            <a:fillRect/>
+          </a:stretch>
+        </p:blipFill>
+        <p:spPr>
+          <a:xfrm>
+            <a:off x="16402340" y="8868297"/>
+            <a:ext cx="5688846" cy="2505563"/>
+          </a:xfrm>
+          <a:prstGeom prst="rect">
+            <a:avLst/>
+          </a:prstGeom>
+          <a:ln w="12700">
+            <a:miter lim="400000"/>
+          </a:ln>
+        </p:spPr>
+      </p:pic>
     </p:spTree>
   </p:cSld>
   <p:clrMapOvr>
@@ -6125,209 +6500,117 @@
       </p:grpSpPr>
       <p:sp>
         <p:nvSpPr>
-          <p:cNvPr id="208" name="Shape 208"/>
-          <p:cNvSpPr/>
-          <p:nvPr>
-            <p:ph type="title"/>
-          </p:nvPr>
-        </p:nvSpPr>
-        <p:spPr>
-          <a:prstGeom prst="rect">
-            <a:avLst/>
-          </a:prstGeom>
-        </p:spPr>
-        <p:txBody>
-          <a:bodyPr/>
+          <p:cNvPr id="218" name="Shape 218"/>
+          <p:cNvSpPr/>
+          <p:nvPr/>
+        </p:nvSpPr>
+        <p:spPr>
+          <a:xfrm>
+            <a:off x="2387600" y="6061864"/>
+            <a:ext cx="19621500" cy="944572"/>
+          </a:xfrm>
+          <a:prstGeom prst="rect">
+            <a:avLst/>
+          </a:prstGeom>
+          <a:ln w="12700">
+            <a:miter lim="400000"/>
+          </a:ln>
+          <a:extLst>
+            <a:ext uri="{C572A759-6A51-4108-AA02-DFA0A04FC94B}">
+              <ma14:wrappingTextBoxFlag xmlns:ma14="http://schemas.microsoft.com/office/mac/drawingml/2011/main" val="1"/>
+            </a:ext>
+          </a:extLst>
+        </p:spPr>
+        <p:txBody>
+          <a:bodyPr lIns="0" tIns="0" rIns="0" bIns="0" anchor="ctr">
+            <a:spAutoFit/>
+          </a:bodyPr>
+          <a:lstStyle>
+            <a:lvl1pPr defTabSz="647700">
+              <a:spcBef>
+                <a:spcPts val="3400"/>
+              </a:spcBef>
+              <a:defRPr sz="5600">
+                <a:solidFill>
+                  <a:srgbClr val="747474"/>
+                </a:solidFill>
+              </a:defRPr>
+            </a:lvl1pPr>
+          </a:lstStyle>
+          <a:p>
+            <a:pPr lvl="0">
+              <a:defRPr sz="1800">
+                <a:solidFill>
+                  <a:srgbClr val="000000"/>
+                </a:solidFill>
+              </a:defRPr>
+            </a:pPr>
+            <a:r>
+              <a:rPr sz="5600">
+                <a:solidFill>
+                  <a:srgbClr val="747474"/>
+                </a:solidFill>
+              </a:rPr>
+              <a:t>Questions?</a:t>
+            </a:r>
+          </a:p>
+        </p:txBody>
+      </p:sp>
+      <p:sp>
+        <p:nvSpPr>
+          <p:cNvPr id="219" name="Shape 219"/>
+          <p:cNvSpPr/>
+          <p:nvPr/>
+        </p:nvSpPr>
+        <p:spPr>
+          <a:xfrm>
+            <a:off x="2387600" y="7484264"/>
+            <a:ext cx="19621500" cy="944572"/>
+          </a:xfrm>
+          <a:prstGeom prst="rect">
+            <a:avLst/>
+          </a:prstGeom>
+          <a:ln w="12700">
+            <a:miter lim="400000"/>
+          </a:ln>
+          <a:extLst>
+            <a:ext uri="{C572A759-6A51-4108-AA02-DFA0A04FC94B}">
+              <ma14:wrappingTextBoxFlag xmlns:ma14="http://schemas.microsoft.com/office/mac/drawingml/2011/main" val="1"/>
+            </a:ext>
+          </a:extLst>
+        </p:spPr>
+        <p:txBody>
+          <a:bodyPr lIns="0" tIns="0" rIns="0" bIns="0" anchor="ctr">
+            <a:spAutoFit/>
+          </a:bodyPr>
           <a:lstStyle/>
           <a:p>
-            <a:pPr lvl="0">
+            <a:pPr lvl="0" defTabSz="647700">
+              <a:spcBef>
+                <a:spcPts val="3400"/>
+              </a:spcBef>
               <a:defRPr sz="1800"/>
             </a:pPr>
             <a:r>
-              <a:rPr sz="5800"/>
-              <a:t>References</a:t>
-            </a:r>
-          </a:p>
-        </p:txBody>
-      </p:sp>
-      <p:sp>
-        <p:nvSpPr>
-          <p:cNvPr id="209" name="Shape 209"/>
-          <p:cNvSpPr/>
-          <p:nvPr>
-            <p:ph type="body" idx="1"/>
-          </p:nvPr>
-        </p:nvSpPr>
-        <p:spPr>
-          <a:prstGeom prst="rect">
-            <a:avLst/>
-          </a:prstGeom>
-        </p:spPr>
-        <p:txBody>
-          <a:bodyPr/>
-          <a:lstStyle/>
-          <a:p>
-            <a:pPr lvl="0">
-              <a:defRPr sz="1800">
-                <a:solidFill>
-                  <a:srgbClr val="000000"/>
-                </a:solidFill>
-              </a:defRPr>
-            </a:pPr>
-            <a:r>
-              <a:rPr sz="5000">
-                <a:solidFill>
-                  <a:srgbClr val="747474"/>
-                </a:solidFill>
-              </a:rPr>
-              <a:t>DOI Handbook: </a:t>
-            </a:r>
-            <a:br>
-              <a:rPr sz="5000">
-                <a:solidFill>
-                  <a:srgbClr val="747474"/>
-                </a:solidFill>
-              </a:rPr>
-            </a:br>
-            <a:r>
-              <a:rPr sz="5000" u="sng">
-                <a:solidFill>
-                  <a:srgbClr val="747474"/>
+              <a:rPr sz="5600" u="sng">
+                <a:solidFill>
+                  <a:srgbClr val="82A1AB"/>
                 </a:solidFill>
                 <a:hlinkClick r:id="rId2" invalidUrl="" action="" tgtFrame="" tooltip="" history="1" highlightClick="0" endSnd="0"/>
               </a:rPr>
-              <a:t>doi.org/10.1000/182</a:t>
-            </a:r>
-            <a:r>
-              <a:rPr sz="5000">
-                <a:solidFill>
-                  <a:srgbClr val="747474"/>
+              <a:t>support@datacite.org</a:t>
+            </a:r>
+            <a:r>
+              <a:rPr sz="5600">
+                <a:solidFill>
+                  <a:srgbClr val="82A1AB"/>
                 </a:solidFill>
               </a:rPr>
               <a:t> </a:t>
             </a:r>
-            <a:endParaRPr sz="5000">
-              <a:solidFill>
-                <a:srgbClr val="747474"/>
-              </a:solidFill>
-            </a:endParaRPr>
-          </a:p>
-          <a:p>
-            <a:pPr lvl="0">
-              <a:defRPr sz="1800">
-                <a:solidFill>
-                  <a:srgbClr val="000000"/>
-                </a:solidFill>
-              </a:defRPr>
-            </a:pPr>
-            <a:r>
-              <a:rPr sz="5000">
-                <a:solidFill>
-                  <a:srgbClr val="747474"/>
-                </a:solidFill>
-              </a:rPr>
-              <a:t>DataCite Metadata Schema Documentation: </a:t>
-            </a:r>
-            <a:br>
-              <a:rPr sz="5000">
-                <a:solidFill>
-                  <a:srgbClr val="747474"/>
-                </a:solidFill>
-              </a:rPr>
-            </a:br>
-            <a:r>
-              <a:rPr sz="5000" u="sng">
-                <a:solidFill>
-                  <a:srgbClr val="747474"/>
-                </a:solidFill>
-                <a:hlinkClick r:id="rId3" invalidUrl="" action="" tgtFrame="" tooltip="" history="1" highlightClick="0" endSnd="0"/>
-              </a:rPr>
-              <a:t>doi.org/10.5438/0010</a:t>
-            </a:r>
-            <a:r>
-              <a:rPr sz="5000">
-                <a:solidFill>
-                  <a:srgbClr val="747474"/>
-                </a:solidFill>
-              </a:rPr>
-              <a:t> </a:t>
-            </a:r>
-            <a:endParaRPr sz="5000">
-              <a:solidFill>
-                <a:srgbClr val="747474"/>
-              </a:solidFill>
-            </a:endParaRPr>
-          </a:p>
-          <a:p>
-            <a:pPr lvl="0">
-              <a:defRPr sz="1800">
-                <a:solidFill>
-                  <a:srgbClr val="000000"/>
-                </a:solidFill>
-              </a:defRPr>
-            </a:pPr>
-            <a:r>
-              <a:rPr sz="5000">
-                <a:solidFill>
-                  <a:srgbClr val="747474"/>
-                </a:solidFill>
-              </a:rPr>
-              <a:t>DataCite Metadata XML Schema: </a:t>
-            </a:r>
-            <a:br>
-              <a:rPr sz="5000">
-                <a:solidFill>
-                  <a:srgbClr val="747474"/>
-                </a:solidFill>
-              </a:rPr>
-            </a:br>
-            <a:r>
-              <a:rPr sz="5000" u="sng">
-                <a:solidFill>
-                  <a:srgbClr val="747474"/>
-                </a:solidFill>
-                <a:hlinkClick r:id="rId4" invalidUrl="" action="" tgtFrame="" tooltip="" history="1" highlightClick="0" endSnd="0"/>
-              </a:rPr>
-              <a:t>doi.org/10.5438/0011</a:t>
-            </a:r>
-            <a:r>
-              <a:rPr sz="5000">
-                <a:solidFill>
-                  <a:srgbClr val="747474"/>
-                </a:solidFill>
-              </a:rPr>
-              <a:t> </a:t>
-            </a:r>
-          </a:p>
-        </p:txBody>
-      </p:sp>
-      <p:pic>
-        <p:nvPicPr>
-          <p:cNvPr id="210" name="version 2 wide.pdf"/>
-          <p:cNvPicPr/>
-          <p:nvPr/>
-        </p:nvPicPr>
-        <p:blipFill>
-          <a:blip r:embed="rId5">
-            <a:extLst/>
-          </a:blip>
-          <a:stretch>
-            <a:fillRect/>
-          </a:stretch>
-        </p:blipFill>
-        <p:spPr>
-          <a:xfrm>
-            <a:off x="18135600" y="712397"/>
-            <a:ext cx="5181600" cy="1700784"/>
-          </a:xfrm>
-          <a:prstGeom prst="rect">
-            <a:avLst/>
-          </a:prstGeom>
-          <a:ln w="12700">
-            <a:miter lim="400000"/>
-          </a:ln>
-        </p:spPr>
-      </p:pic>
+          </a:p>
+        </p:txBody>
+      </p:sp>
     </p:spTree>
   </p:cSld>
   <p:clrMapOvr>
@@ -6435,6 +6718,237 @@
           <a:xfrm>
             <a:off x="13397805" y="-21828"/>
             <a:ext cx="10981809" cy="13746988"/>
+          </a:xfrm>
+          <a:prstGeom prst="rect">
+            <a:avLst/>
+          </a:prstGeom>
+          <a:ln w="12700">
+            <a:miter lim="400000"/>
+          </a:ln>
+        </p:spPr>
+      </p:pic>
+    </p:spTree>
+  </p:cSld>
+  <p:clrMapOvr>
+    <a:masterClrMapping/>
+  </p:clrMapOvr>
+  <p:transition spd="med" advClick="1"/>
+</p:sld>
+</file>
+
+<file path=ppt/slides/slide20.xml><?xml version="1.0" encoding="utf-8"?>
+<p:sld xmlns:a="http://schemas.openxmlformats.org/drawingml/2006/main" xmlns:r="http://schemas.openxmlformats.org/officeDocument/2006/relationships" xmlns:p="http://schemas.openxmlformats.org/presentationml/2006/main" showMasterSp="1" showMasterPhAnim="1">
+  <p:cSld>
+    <p:spTree>
+      <p:nvGrpSpPr>
+        <p:cNvPr id="1" name=""/>
+        <p:cNvGrpSpPr/>
+        <p:nvPr/>
+      </p:nvGrpSpPr>
+      <p:grpSpPr>
+        <a:xfrm>
+          <a:off x="0" y="0"/>
+          <a:ext cx="0" cy="0"/>
+          <a:chOff x="0" y="0"/>
+          <a:chExt cx="0" cy="0"/>
+        </a:xfrm>
+      </p:grpSpPr>
+      <p:sp>
+        <p:nvSpPr>
+          <p:cNvPr id="221" name="Shape 221"/>
+          <p:cNvSpPr/>
+          <p:nvPr>
+            <p:ph type="title"/>
+          </p:nvPr>
+        </p:nvSpPr>
+        <p:spPr>
+          <a:prstGeom prst="rect">
+            <a:avLst/>
+          </a:prstGeom>
+        </p:spPr>
+        <p:txBody>
+          <a:bodyPr/>
+          <a:lstStyle/>
+          <a:p>
+            <a:pPr lvl="0">
+              <a:defRPr sz="1800"/>
+            </a:pPr>
+            <a:r>
+              <a:rPr sz="5800"/>
+              <a:t>References</a:t>
+            </a:r>
+          </a:p>
+        </p:txBody>
+      </p:sp>
+      <p:sp>
+        <p:nvSpPr>
+          <p:cNvPr id="222" name="Shape 222"/>
+          <p:cNvSpPr/>
+          <p:nvPr>
+            <p:ph type="body" idx="1"/>
+          </p:nvPr>
+        </p:nvSpPr>
+        <p:spPr>
+          <a:prstGeom prst="rect">
+            <a:avLst/>
+          </a:prstGeom>
+        </p:spPr>
+        <p:txBody>
+          <a:bodyPr/>
+          <a:lstStyle/>
+          <a:p>
+            <a:pPr lvl="0">
+              <a:defRPr sz="1800">
+                <a:solidFill>
+                  <a:srgbClr val="000000"/>
+                </a:solidFill>
+              </a:defRPr>
+            </a:pPr>
+            <a:r>
+              <a:rPr sz="5000">
+                <a:solidFill>
+                  <a:srgbClr val="747474"/>
+                </a:solidFill>
+              </a:rPr>
+              <a:t>DOI Handbook: </a:t>
+            </a:r>
+            <a:br>
+              <a:rPr sz="5000">
+                <a:solidFill>
+                  <a:srgbClr val="747474"/>
+                </a:solidFill>
+              </a:rPr>
+            </a:br>
+            <a:r>
+              <a:rPr sz="5000" u="sng">
+                <a:solidFill>
+                  <a:srgbClr val="747474"/>
+                </a:solidFill>
+                <a:hlinkClick r:id="rId2" invalidUrl="" action="" tgtFrame="" tooltip="" history="1" highlightClick="0" endSnd="0"/>
+              </a:rPr>
+              <a:t>doi.org/10.1000/182</a:t>
+            </a:r>
+            <a:r>
+              <a:rPr sz="5000">
+                <a:solidFill>
+                  <a:srgbClr val="747474"/>
+                </a:solidFill>
+              </a:rPr>
+              <a:t> </a:t>
+            </a:r>
+            <a:endParaRPr sz="5000">
+              <a:solidFill>
+                <a:srgbClr val="747474"/>
+              </a:solidFill>
+            </a:endParaRPr>
+          </a:p>
+          <a:p>
+            <a:pPr lvl="0">
+              <a:defRPr sz="1800">
+                <a:solidFill>
+                  <a:srgbClr val="000000"/>
+                </a:solidFill>
+              </a:defRPr>
+            </a:pPr>
+            <a:r>
+              <a:rPr sz="5000">
+                <a:solidFill>
+                  <a:srgbClr val="747474"/>
+                </a:solidFill>
+              </a:rPr>
+              <a:t>DataCite Metadata Schema Documentation: </a:t>
+            </a:r>
+            <a:br>
+              <a:rPr sz="5000">
+                <a:solidFill>
+                  <a:srgbClr val="747474"/>
+                </a:solidFill>
+              </a:rPr>
+            </a:br>
+            <a:r>
+              <a:rPr sz="5000" u="sng">
+                <a:solidFill>
+                  <a:srgbClr val="747474"/>
+                </a:solidFill>
+                <a:hlinkClick r:id="rId3" invalidUrl="" action="" tgtFrame="" tooltip="" history="1" highlightClick="0" endSnd="0"/>
+              </a:rPr>
+              <a:t>doi.org/10.5438/0010</a:t>
+            </a:r>
+            <a:r>
+              <a:rPr sz="5000">
+                <a:solidFill>
+                  <a:srgbClr val="747474"/>
+                </a:solidFill>
+              </a:rPr>
+              <a:t> </a:t>
+            </a:r>
+            <a:endParaRPr sz="5000">
+              <a:solidFill>
+                <a:srgbClr val="747474"/>
+              </a:solidFill>
+            </a:endParaRPr>
+          </a:p>
+          <a:p>
+            <a:pPr lvl="0">
+              <a:defRPr sz="1800">
+                <a:solidFill>
+                  <a:srgbClr val="000000"/>
+                </a:solidFill>
+              </a:defRPr>
+            </a:pPr>
+            <a:r>
+              <a:rPr sz="5000">
+                <a:solidFill>
+                  <a:srgbClr val="747474"/>
+                </a:solidFill>
+              </a:rPr>
+              <a:t>DataCite Metadata XML Schema: </a:t>
+            </a:r>
+            <a:br>
+              <a:rPr sz="5000">
+                <a:solidFill>
+                  <a:srgbClr val="747474"/>
+                </a:solidFill>
+              </a:rPr>
+            </a:br>
+            <a:r>
+              <a:rPr sz="5000" u="sng">
+                <a:solidFill>
+                  <a:srgbClr val="747474"/>
+                </a:solidFill>
+                <a:hlinkClick r:id="rId4" invalidUrl="" action="" tgtFrame="" tooltip="" history="1" highlightClick="0" endSnd="0"/>
+              </a:rPr>
+              <a:t>doi.org/10.5438/0011</a:t>
+            </a:r>
+            <a:r>
+              <a:rPr sz="5000">
+                <a:solidFill>
+                  <a:srgbClr val="747474"/>
+                </a:solidFill>
+              </a:rPr>
+              <a:t> </a:t>
+            </a:r>
+          </a:p>
+        </p:txBody>
+      </p:sp>
+      <p:pic>
+        <p:nvPicPr>
+          <p:cNvPr id="223" name="version 2 wide.pdf"/>
+          <p:cNvPicPr/>
+          <p:nvPr/>
+        </p:nvPicPr>
+        <p:blipFill>
+          <a:blip r:embed="rId5">
+            <a:extLst/>
+          </a:blip>
+          <a:stretch>
+            <a:fillRect/>
+          </a:stretch>
+        </p:blipFill>
+        <p:spPr>
+          <a:xfrm>
+            <a:off x="18135600" y="712397"/>
+            <a:ext cx="5181600" cy="1700784"/>
           </a:xfrm>
           <a:prstGeom prst="rect">
             <a:avLst/>
@@ -6861,7 +7375,7 @@
                   <a:srgbClr val="747474"/>
                 </a:solidFill>
               </a:rPr>
-              <a:t>ANSI/NISO Z39.84-2000 (reconfirmed 2005, 2010) and ISO 26324 (2010).</a:t>
+              <a:t>Prefixes are assigned to different services. Each one of them manages the ‘suffix’ namespace freely.</a:t>
             </a:r>
           </a:p>
         </p:txBody>
@@ -6874,8 +7388,8 @@
         </p:nvSpPr>
         <p:spPr>
           <a:xfrm>
-            <a:off x="6066631" y="6985000"/>
-            <a:ext cx="3666927" cy="1732757"/>
+            <a:off x="6095504" y="6985000"/>
+            <a:ext cx="7917955" cy="1732757"/>
           </a:xfrm>
           <a:prstGeom prst="rect">
             <a:avLst/>
@@ -6901,7 +7415,7 @@
             </a:pPr>
             <a:r>
               <a:rPr sz="5000"/>
-              <a:t>Directory indicator</a:t>
+              <a:t>Prefix</a:t>
             </a:r>
           </a:p>
         </p:txBody>
@@ -6914,8 +7428,8 @@
         </p:nvSpPr>
         <p:spPr>
           <a:xfrm>
-            <a:off x="10688042" y="6985000"/>
-            <a:ext cx="3325417" cy="1732757"/>
+            <a:off x="14955242" y="6985000"/>
+            <a:ext cx="3666927" cy="1732757"/>
           </a:xfrm>
           <a:prstGeom prst="rect">
             <a:avLst/>
@@ -6941,14 +7455,7 @@
             </a:pPr>
             <a:r>
               <a:rPr sz="5000"/>
-              <a:t>Registrant </a:t>
-            </a:r>
-            <a:br>
-              <a:rPr sz="5000"/>
-            </a:br>
-            <a:r>
-              <a:rPr sz="5000"/>
-              <a:t>code</a:t>
+              <a:t>Suffix</a:t>
             </a:r>
           </a:p>
         </p:txBody>
@@ -6961,8 +7468,8 @@
         </p:nvSpPr>
         <p:spPr>
           <a:xfrm>
-            <a:off x="14955242" y="6985000"/>
-            <a:ext cx="3666927" cy="1732757"/>
+            <a:off x="5415061" y="5983576"/>
+            <a:ext cx="13553878" cy="3209529"/>
           </a:xfrm>
           <a:prstGeom prst="rect">
             <a:avLst/>
@@ -6988,8 +7495,21 @@
             </a:pPr>
             <a:r>
               <a:rPr sz="5000"/>
-              <a:t>Suffix</a:t>
-            </a:r>
+              <a:t>DOI Name</a:t>
+            </a:r>
+            <a:endParaRPr sz="5000"/>
+          </a:p>
+          <a:p>
+            <a:pPr lvl="0">
+              <a:defRPr sz="1800"/>
+            </a:pPr>
+            <a:endParaRPr sz="5000"/>
+          </a:p>
+          <a:p>
+            <a:pPr lvl="0">
+              <a:defRPr sz="1800"/>
+            </a:pPr>
+            <a:endParaRPr sz="5000"/>
           </a:p>
         </p:txBody>
       </p:sp>
@@ -7001,8 +7521,8 @@
         </p:nvSpPr>
         <p:spPr>
           <a:xfrm>
-            <a:off x="5567461" y="5901035"/>
-            <a:ext cx="13553878" cy="3209529"/>
+            <a:off x="6066631" y="9563100"/>
+            <a:ext cx="3666928" cy="1223070"/>
           </a:xfrm>
           <a:prstGeom prst="rect">
             <a:avLst/>
@@ -7028,21 +7548,8 @@
             </a:pPr>
             <a:r>
               <a:rPr sz="5000"/>
-              <a:t>DOI Name</a:t>
-            </a:r>
-            <a:endParaRPr sz="5000"/>
-          </a:p>
-          <a:p>
-            <a:pPr lvl="0">
-              <a:defRPr sz="1800"/>
-            </a:pPr>
-            <a:endParaRPr sz="5000"/>
-          </a:p>
-          <a:p>
-            <a:pPr lvl="0">
-              <a:defRPr sz="1800"/>
-            </a:pPr>
-            <a:endParaRPr sz="5000"/>
+              <a:t>10</a:t>
+            </a:r>
           </a:p>
         </p:txBody>
       </p:sp>
@@ -7054,8 +7561,8 @@
         </p:nvSpPr>
         <p:spPr>
           <a:xfrm>
-            <a:off x="6066631" y="9563100"/>
-            <a:ext cx="3666928" cy="1223070"/>
+            <a:off x="10688042" y="9563100"/>
+            <a:ext cx="3325416" cy="1223070"/>
           </a:xfrm>
           <a:prstGeom prst="rect">
             <a:avLst/>
@@ -7081,7 +7588,7 @@
             </a:pPr>
             <a:r>
               <a:rPr sz="5000"/>
-              <a:t>10</a:t>
+              <a:t>1234</a:t>
             </a:r>
           </a:p>
         </p:txBody>
@@ -7094,8 +7601,8 @@
         </p:nvSpPr>
         <p:spPr>
           <a:xfrm>
-            <a:off x="10688042" y="9563100"/>
-            <a:ext cx="3325416" cy="1223070"/>
+            <a:off x="14955242" y="9563100"/>
+            <a:ext cx="3666927" cy="1223070"/>
           </a:xfrm>
           <a:prstGeom prst="rect">
             <a:avLst/>
@@ -7121,7 +7628,7 @@
             </a:pPr>
             <a:r>
               <a:rPr sz="5000"/>
-              <a:t>1234</a:t>
+              <a:t>data567</a:t>
             </a:r>
           </a:p>
         </p:txBody>
@@ -7134,8 +7641,8 @@
         </p:nvSpPr>
         <p:spPr>
           <a:xfrm>
-            <a:off x="14955242" y="9563100"/>
-            <a:ext cx="3666927" cy="1223070"/>
+            <a:off x="9808914" y="9563100"/>
+            <a:ext cx="803772" cy="1223070"/>
           </a:xfrm>
           <a:prstGeom prst="rect">
             <a:avLst/>
@@ -7161,7 +7668,7 @@
             </a:pPr>
             <a:r>
               <a:rPr sz="5000"/>
-              <a:t>data567</a:t>
+              <a:t>.</a:t>
             </a:r>
           </a:p>
         </p:txBody>
@@ -7174,7 +7681,7 @@
         </p:nvSpPr>
         <p:spPr>
           <a:xfrm>
-            <a:off x="9808914" y="9563100"/>
+            <a:off x="14088814" y="9563100"/>
             <a:ext cx="803772" cy="1223070"/>
           </a:xfrm>
           <a:prstGeom prst="rect">
@@ -7201,7 +7708,7 @@
             </a:pPr>
             <a:r>
               <a:rPr sz="5000"/>
-              <a:t>.</a:t>
+              <a:t>/</a:t>
             </a:r>
           </a:p>
         </p:txBody>
@@ -7214,8 +7721,8 @@
         </p:nvSpPr>
         <p:spPr>
           <a:xfrm>
-            <a:off x="14088814" y="9563100"/>
-            <a:ext cx="803772" cy="1223070"/>
+            <a:off x="14082464" y="6985000"/>
+            <a:ext cx="803772" cy="1732757"/>
           </a:xfrm>
           <a:prstGeom prst="rect">
             <a:avLst/>
@@ -7254,16 +7761,13 @@
         </p:nvSpPr>
         <p:spPr>
           <a:xfrm>
-            <a:off x="14082464" y="6985000"/>
-            <a:ext cx="803772" cy="1732757"/>
-          </a:xfrm>
-          <a:prstGeom prst="rect">
-            <a:avLst/>
-          </a:prstGeom>
-          <a:ln w="12700">
-            <a:solidFill>
-              <a:srgbClr val="9A9A9A"/>
-            </a:solidFill>
+            <a:off x="3008957" y="9563100"/>
+            <a:ext cx="2700090" cy="1223070"/>
+          </a:xfrm>
+          <a:prstGeom prst="rect">
+            <a:avLst/>
+          </a:prstGeom>
+          <a:ln w="12700">
             <a:miter lim="400000"/>
           </a:ln>
           <a:extLst>
@@ -7273,83 +7777,6 @@
           </a:extLst>
         </p:spPr>
         <p:txBody>
-          <a:bodyPr lIns="50800" tIns="50800" rIns="50800" bIns="50800" anchor="ctr"/>
-          <a:lstStyle/>
-          <a:p>
-            <a:pPr lvl="0">
-              <a:defRPr sz="1800"/>
-            </a:pPr>
-            <a:r>
-              <a:rPr sz="5000"/>
-              <a:t>/</a:t>
-            </a:r>
-          </a:p>
-        </p:txBody>
-      </p:sp>
-      <p:sp>
-        <p:nvSpPr>
-          <p:cNvPr id="68" name="Shape 68"/>
-          <p:cNvSpPr/>
-          <p:nvPr/>
-        </p:nvSpPr>
-        <p:spPr>
-          <a:xfrm>
-            <a:off x="9808914" y="6985000"/>
-            <a:ext cx="803772" cy="1732757"/>
-          </a:xfrm>
-          <a:prstGeom prst="rect">
-            <a:avLst/>
-          </a:prstGeom>
-          <a:ln w="12700">
-            <a:solidFill>
-              <a:srgbClr val="9A9A9A"/>
-            </a:solidFill>
-            <a:miter lim="400000"/>
-          </a:ln>
-          <a:extLst>
-            <a:ext uri="{C572A759-6A51-4108-AA02-DFA0A04FC94B}">
-              <ma14:wrappingTextBoxFlag xmlns:ma14="http://schemas.microsoft.com/office/mac/drawingml/2011/main" val="1"/>
-            </a:ext>
-          </a:extLst>
-        </p:spPr>
-        <p:txBody>
-          <a:bodyPr lIns="50800" tIns="50800" rIns="50800" bIns="50800" anchor="ctr"/>
-          <a:lstStyle/>
-          <a:p>
-            <a:pPr lvl="0">
-              <a:defRPr sz="1800"/>
-            </a:pPr>
-            <a:r>
-              <a:rPr sz="5000"/>
-              <a:t>.</a:t>
-            </a:r>
-          </a:p>
-        </p:txBody>
-      </p:sp>
-      <p:sp>
-        <p:nvSpPr>
-          <p:cNvPr id="69" name="Shape 69"/>
-          <p:cNvSpPr/>
-          <p:nvPr/>
-        </p:nvSpPr>
-        <p:spPr>
-          <a:xfrm>
-            <a:off x="3008957" y="9563100"/>
-            <a:ext cx="2700090" cy="1223070"/>
-          </a:xfrm>
-          <a:prstGeom prst="rect">
-            <a:avLst/>
-          </a:prstGeom>
-          <a:ln w="12700">
-            <a:miter lim="400000"/>
-          </a:ln>
-          <a:extLst>
-            <a:ext uri="{C572A759-6A51-4108-AA02-DFA0A04FC94B}">
-              <ma14:wrappingTextBoxFlag xmlns:ma14="http://schemas.microsoft.com/office/mac/drawingml/2011/main" val="1"/>
-            </a:ext>
-          </a:extLst>
-        </p:spPr>
-        <p:txBody>
           <a:bodyPr lIns="0" tIns="0" rIns="0" bIns="0" anchor="ctr"/>
           <a:lstStyle/>
           <a:p>
@@ -7365,7 +7792,7 @@
       </p:sp>
       <p:pic>
         <p:nvPicPr>
-          <p:cNvPr id="70" name="version 2 wide.pdf"/>
+          <p:cNvPr id="68" name="version 2 wide.pdf"/>
           <p:cNvPicPr/>
           <p:nvPr/>
         </p:nvPicPr>
@@ -7418,7 +7845,7 @@
       </p:grpSpPr>
       <p:sp>
         <p:nvSpPr>
-          <p:cNvPr id="72" name="Shape 72"/>
+          <p:cNvPr id="70" name="Shape 70"/>
           <p:cNvSpPr/>
           <p:nvPr>
             <p:ph type="title"/>
@@ -7445,7 +7872,7 @@
       </p:sp>
       <p:sp>
         <p:nvSpPr>
-          <p:cNvPr id="73" name="Shape 73"/>
+          <p:cNvPr id="71" name="Shape 71"/>
           <p:cNvSpPr/>
           <p:nvPr>
             <p:ph type="body" idx="1"/>
@@ -7502,7 +7929,7 @@
       </p:sp>
       <p:sp>
         <p:nvSpPr>
-          <p:cNvPr id="74" name="Shape 74"/>
+          <p:cNvPr id="72" name="Shape 72"/>
           <p:cNvSpPr/>
           <p:nvPr/>
         </p:nvSpPr>
@@ -7542,7 +7969,7 @@
       </p:sp>
       <p:sp>
         <p:nvSpPr>
-          <p:cNvPr id="75" name="Shape 75"/>
+          <p:cNvPr id="73" name="Shape 73"/>
           <p:cNvSpPr/>
           <p:nvPr/>
         </p:nvSpPr>
@@ -7590,7 +8017,7 @@
       </p:sp>
       <p:sp>
         <p:nvSpPr>
-          <p:cNvPr id="76" name="Shape 76"/>
+          <p:cNvPr id="74" name="Shape 74"/>
           <p:cNvSpPr/>
           <p:nvPr/>
         </p:nvSpPr>
@@ -7638,7 +8065,7 @@
       </p:sp>
       <p:sp>
         <p:nvSpPr>
-          <p:cNvPr id="77" name="Shape 77"/>
+          <p:cNvPr id="75" name="Shape 75"/>
           <p:cNvSpPr/>
           <p:nvPr/>
         </p:nvSpPr>
@@ -7676,7 +8103,7 @@
       </p:sp>
       <p:pic>
         <p:nvPicPr>
-          <p:cNvPr id="78" name="version 2 wide.pdf"/>
+          <p:cNvPr id="76" name="version 2 wide.pdf"/>
           <p:cNvPicPr/>
           <p:nvPr/>
         </p:nvPicPr>
@@ -7703,7 +8130,7 @@
       </p:pic>
       <p:sp>
         <p:nvSpPr>
-          <p:cNvPr id="79" name="Shape 79"/>
+          <p:cNvPr id="77" name="Shape 77"/>
           <p:cNvSpPr/>
           <p:nvPr/>
         </p:nvSpPr>
@@ -7777,7 +8204,7 @@
       </p:grpSpPr>
       <p:sp>
         <p:nvSpPr>
-          <p:cNvPr id="81" name="Shape 81"/>
+          <p:cNvPr id="79" name="Shape 79"/>
           <p:cNvSpPr/>
           <p:nvPr>
             <p:ph type="title"/>
@@ -7804,7 +8231,7 @@
       </p:sp>
       <p:sp>
         <p:nvSpPr>
-          <p:cNvPr id="82" name="Shape 82"/>
+          <p:cNvPr id="80" name="Shape 80"/>
           <p:cNvSpPr/>
           <p:nvPr>
             <p:ph type="body" idx="1"/>
@@ -7843,7 +8270,7 @@
       </p:sp>
       <p:sp>
         <p:nvSpPr>
-          <p:cNvPr id="83" name="Shape 83"/>
+          <p:cNvPr id="81" name="Shape 81"/>
           <p:cNvSpPr/>
           <p:nvPr/>
         </p:nvSpPr>
@@ -7892,7 +8319,7 @@
       </p:sp>
       <p:sp>
         <p:nvSpPr>
-          <p:cNvPr id="84" name="Shape 84"/>
+          <p:cNvPr id="82" name="Shape 82"/>
           <p:cNvSpPr/>
           <p:nvPr/>
         </p:nvSpPr>
@@ -7936,7 +8363,7 @@
       </p:sp>
       <p:sp>
         <p:nvSpPr>
-          <p:cNvPr id="85" name="Shape 85"/>
+          <p:cNvPr id="83" name="Shape 83"/>
           <p:cNvSpPr/>
           <p:nvPr/>
         </p:nvSpPr>
@@ -7980,7 +8407,7 @@
       </p:sp>
       <p:sp>
         <p:nvSpPr>
-          <p:cNvPr id="86" name="Shape 86"/>
+          <p:cNvPr id="84" name="Shape 84"/>
           <p:cNvSpPr/>
           <p:nvPr/>
         </p:nvSpPr>
@@ -8020,7 +8447,7 @@
       </p:sp>
       <p:sp>
         <p:nvSpPr>
-          <p:cNvPr id="87" name="Shape 87"/>
+          <p:cNvPr id="85" name="Shape 85"/>
           <p:cNvSpPr/>
           <p:nvPr/>
         </p:nvSpPr>
@@ -8064,7 +8491,7 @@
       </p:sp>
       <p:sp>
         <p:nvSpPr>
-          <p:cNvPr id="88" name="Shape 88"/>
+          <p:cNvPr id="86" name="Shape 86"/>
           <p:cNvSpPr/>
           <p:nvPr/>
         </p:nvSpPr>
@@ -8108,7 +8535,7 @@
       </p:sp>
       <p:sp>
         <p:nvSpPr>
-          <p:cNvPr id="89" name="Shape 89"/>
+          <p:cNvPr id="87" name="Shape 87"/>
           <p:cNvSpPr/>
           <p:nvPr/>
         </p:nvSpPr>
@@ -8157,7 +8584,7 @@
       </p:sp>
       <p:sp>
         <p:nvSpPr>
-          <p:cNvPr id="90" name="Shape 90"/>
+          <p:cNvPr id="88" name="Shape 88"/>
           <p:cNvSpPr/>
           <p:nvPr/>
         </p:nvSpPr>
@@ -8201,7 +8628,7 @@
       </p:sp>
       <p:sp>
         <p:nvSpPr>
-          <p:cNvPr id="91" name="Shape 91"/>
+          <p:cNvPr id="89" name="Shape 89"/>
           <p:cNvSpPr/>
           <p:nvPr/>
         </p:nvSpPr>
@@ -8245,7 +8672,7 @@
       </p:sp>
       <p:sp>
         <p:nvSpPr>
-          <p:cNvPr id="92" name="Shape 92"/>
+          <p:cNvPr id="90" name="Shape 90"/>
           <p:cNvSpPr/>
           <p:nvPr/>
         </p:nvSpPr>
@@ -8285,14 +8712,14 @@
       </p:sp>
       <p:sp>
         <p:nvSpPr>
-          <p:cNvPr id="93" name="Shape 93"/>
-          <p:cNvSpPr/>
-          <p:nvPr/>
-        </p:nvSpPr>
-        <p:spPr>
-          <a:xfrm>
-            <a:off x="7010003" y="9000789"/>
-            <a:ext cx="4999335" cy="808435"/>
+          <p:cNvPr id="91" name="Shape 91"/>
+          <p:cNvSpPr/>
+          <p:nvPr/>
+        </p:nvSpPr>
+        <p:spPr>
+          <a:xfrm>
+            <a:off x="1828403" y="10758032"/>
+            <a:ext cx="4999336" cy="808435"/>
           </a:xfrm>
           <a:prstGeom prst="rect">
             <a:avLst/>
@@ -8329,13 +8756,13 @@
       </p:sp>
       <p:sp>
         <p:nvSpPr>
-          <p:cNvPr id="94" name="Shape 94"/>
-          <p:cNvSpPr/>
-          <p:nvPr/>
-        </p:nvSpPr>
-        <p:spPr>
-          <a:xfrm>
-            <a:off x="7010003" y="9889789"/>
+          <p:cNvPr id="92" name="Shape 92"/>
+          <p:cNvSpPr/>
+          <p:nvPr/>
+        </p:nvSpPr>
+        <p:spPr>
+          <a:xfrm>
+            <a:off x="7010003" y="9026189"/>
             <a:ext cx="4999335" cy="808435"/>
           </a:xfrm>
           <a:prstGeom prst="rect">
@@ -8373,13 +8800,13 @@
       </p:sp>
       <p:sp>
         <p:nvSpPr>
-          <p:cNvPr id="95" name="Shape 95"/>
-          <p:cNvSpPr/>
-          <p:nvPr/>
-        </p:nvSpPr>
-        <p:spPr>
-          <a:xfrm>
-            <a:off x="7010003" y="10778789"/>
+          <p:cNvPr id="93" name="Shape 93"/>
+          <p:cNvSpPr/>
+          <p:nvPr/>
+        </p:nvSpPr>
+        <p:spPr>
+          <a:xfrm>
+            <a:off x="7010003" y="9915189"/>
             <a:ext cx="4999335" cy="808435"/>
           </a:xfrm>
           <a:prstGeom prst="rect">
@@ -8417,13 +8844,13 @@
       </p:sp>
       <p:sp>
         <p:nvSpPr>
-          <p:cNvPr id="96" name="Shape 96"/>
-          <p:cNvSpPr/>
-          <p:nvPr/>
-        </p:nvSpPr>
-        <p:spPr>
-          <a:xfrm>
-            <a:off x="7010003" y="11667789"/>
+          <p:cNvPr id="94" name="Shape 94"/>
+          <p:cNvSpPr/>
+          <p:nvPr/>
+        </p:nvSpPr>
+        <p:spPr>
+          <a:xfrm>
+            <a:off x="7010003" y="10804189"/>
             <a:ext cx="4999335" cy="808435"/>
           </a:xfrm>
           <a:prstGeom prst="rect">
@@ -8461,7 +8888,7 @@
       </p:sp>
       <p:sp>
         <p:nvSpPr>
-          <p:cNvPr id="97" name="Shape 97"/>
+          <p:cNvPr id="95" name="Shape 95"/>
           <p:cNvSpPr/>
           <p:nvPr/>
         </p:nvSpPr>
@@ -8510,7 +8937,7 @@
       </p:sp>
       <p:sp>
         <p:nvSpPr>
-          <p:cNvPr id="98" name="Shape 98"/>
+          <p:cNvPr id="96" name="Shape 96"/>
           <p:cNvSpPr/>
           <p:nvPr/>
         </p:nvSpPr>
@@ -8554,7 +8981,7 @@
       </p:sp>
       <p:sp>
         <p:nvSpPr>
-          <p:cNvPr id="99" name="Shape 99"/>
+          <p:cNvPr id="97" name="Shape 97"/>
           <p:cNvSpPr/>
           <p:nvPr/>
         </p:nvSpPr>
@@ -8598,7 +9025,7 @@
       </p:sp>
       <p:sp>
         <p:nvSpPr>
-          <p:cNvPr id="100" name="Shape 100"/>
+          <p:cNvPr id="98" name="Shape 98"/>
           <p:cNvSpPr/>
           <p:nvPr/>
         </p:nvSpPr>
@@ -8638,7 +9065,7 @@
       </p:sp>
       <p:sp>
         <p:nvSpPr>
-          <p:cNvPr id="101" name="Shape 101"/>
+          <p:cNvPr id="99" name="Shape 99"/>
           <p:cNvSpPr/>
           <p:nvPr/>
         </p:nvSpPr>
@@ -8682,7 +9109,7 @@
       </p:sp>
       <p:sp>
         <p:nvSpPr>
-          <p:cNvPr id="102" name="Shape 102"/>
+          <p:cNvPr id="100" name="Shape 100"/>
           <p:cNvSpPr/>
           <p:nvPr/>
         </p:nvSpPr>
@@ -8726,7 +9153,7 @@
       </p:sp>
       <p:sp>
         <p:nvSpPr>
-          <p:cNvPr id="103" name="Shape 103"/>
+          <p:cNvPr id="101" name="Shape 101"/>
           <p:cNvSpPr/>
           <p:nvPr/>
         </p:nvSpPr>
@@ -8770,14 +9197,14 @@
       </p:sp>
       <p:sp>
         <p:nvSpPr>
-          <p:cNvPr id="104" name="Shape 104"/>
+          <p:cNvPr id="102" name="Shape 102"/>
           <p:cNvSpPr/>
           <p:nvPr/>
         </p:nvSpPr>
         <p:spPr>
           <a:xfrm>
             <a:off x="17849453" y="5432089"/>
-            <a:ext cx="6112966" cy="3252561"/>
+            <a:ext cx="6112966" cy="4929060"/>
           </a:xfrm>
           <a:prstGeom prst="rect">
             <a:avLst/>
@@ -8817,29 +9244,29 @@
             <a:pPr lvl="0">
               <a:defRPr sz="1800"/>
             </a:pPr>
-            <a:endParaRPr sz="3900"/>
-          </a:p>
-          <a:p>
-            <a:pPr lvl="0">
-              <a:defRPr sz="1800"/>
-            </a:pPr>
-            <a:r>
-              <a:rPr sz="3900"/>
-              <a:t>XML</a:t>
-            </a:r>
             <a:br>
               <a:rPr sz="3900"/>
             </a:br>
             <a:r>
               <a:rPr sz="3900"/>
-              <a:t>Current version 3.1</a:t>
+              <a:t>Current version 4.0</a:t>
+            </a:r>
+            <a:endParaRPr sz="3900"/>
+          </a:p>
+          <a:p>
+            <a:pPr lvl="0">
+              <a:defRPr sz="1800"/>
+            </a:pPr>
+            <a:r>
+              <a:rPr sz="3900"/>
+              <a:t>XML examples available</a:t>
             </a:r>
           </a:p>
         </p:txBody>
       </p:sp>
       <p:pic>
         <p:nvPicPr>
-          <p:cNvPr id="105" name="version 2 wide.pdf"/>
+          <p:cNvPr id="103" name="version 2 wide.pdf"/>
           <p:cNvPicPr/>
           <p:nvPr/>
         </p:nvPicPr>
@@ -8892,7 +9319,7 @@
       </p:grpSpPr>
       <p:sp>
         <p:nvSpPr>
-          <p:cNvPr id="107" name="Shape 107"/>
+          <p:cNvPr id="105" name="Shape 105"/>
           <p:cNvSpPr/>
           <p:nvPr>
             <p:ph type="title"/>
@@ -8919,7 +9346,7 @@
       </p:sp>
       <p:sp>
         <p:nvSpPr>
-          <p:cNvPr id="108" name="Shape 108"/>
+          <p:cNvPr id="106" name="Shape 106"/>
           <p:cNvSpPr/>
           <p:nvPr>
             <p:ph type="body" idx="1"/>
@@ -9016,7 +9443,7 @@
       </p:sp>
       <p:pic>
         <p:nvPicPr>
-          <p:cNvPr id="109" name="version 2 wide.pdf"/>
+          <p:cNvPr id="107" name="version 2 wide.pdf"/>
           <p:cNvPicPr/>
           <p:nvPr/>
         </p:nvPicPr>
@@ -9069,7 +9496,7 @@
       </p:grpSpPr>
       <p:sp>
         <p:nvSpPr>
-          <p:cNvPr id="111" name="Shape 111"/>
+          <p:cNvPr id="109" name="Shape 109"/>
           <p:cNvSpPr/>
           <p:nvPr>
             <p:ph type="title"/>
@@ -9096,7 +9523,7 @@
       </p:sp>
       <p:sp>
         <p:nvSpPr>
-          <p:cNvPr id="112" name="Shape 112"/>
+          <p:cNvPr id="110" name="Shape 110"/>
           <p:cNvSpPr/>
           <p:nvPr>
             <p:ph type="body" idx="1"/>
@@ -9117,7 +9544,7 @@
       </p:sp>
       <p:pic>
         <p:nvPicPr>
-          <p:cNvPr id="113" name="dc_2.pdf"/>
+          <p:cNvPr id="111" name="dc_2.pdf"/>
           <p:cNvPicPr/>
           <p:nvPr/>
         </p:nvPicPr>
@@ -9171,7 +9598,7 @@
       </p:grpSpPr>
       <p:sp>
         <p:nvSpPr>
-          <p:cNvPr id="115" name="Shape 115"/>
+          <p:cNvPr id="113" name="Shape 113"/>
           <p:cNvSpPr/>
           <p:nvPr>
             <p:ph type="title"/>
@@ -9198,7 +9625,7 @@
       </p:sp>
       <p:sp>
         <p:nvSpPr>
-          <p:cNvPr id="116" name="Shape 116"/>
+          <p:cNvPr id="114" name="Shape 114"/>
           <p:cNvSpPr/>
           <p:nvPr/>
         </p:nvSpPr>
@@ -9229,7 +9656,7 @@
       </p:sp>
       <p:sp>
         <p:nvSpPr>
-          <p:cNvPr id="117" name="Shape 117"/>
+          <p:cNvPr id="115" name="Shape 115"/>
           <p:cNvSpPr/>
           <p:nvPr/>
         </p:nvSpPr>
@@ -9260,7 +9687,7 @@
       </p:sp>
       <p:sp>
         <p:nvSpPr>
-          <p:cNvPr id="118" name="Shape 118"/>
+          <p:cNvPr id="116" name="Shape 116"/>
           <p:cNvSpPr/>
           <p:nvPr/>
         </p:nvSpPr>
@@ -9291,7 +9718,7 @@
       </p:sp>
       <p:sp>
         <p:nvSpPr>
-          <p:cNvPr id="119" name="Shape 119"/>
+          <p:cNvPr id="117" name="Shape 117"/>
           <p:cNvSpPr/>
           <p:nvPr/>
         </p:nvSpPr>
@@ -9322,7 +9749,7 @@
       </p:sp>
       <p:sp>
         <p:nvSpPr>
-          <p:cNvPr id="120" name="Shape 120"/>
+          <p:cNvPr id="118" name="Shape 118"/>
           <p:cNvSpPr/>
           <p:nvPr/>
         </p:nvSpPr>
@@ -9366,7 +9793,7 @@
       </p:sp>
       <p:sp>
         <p:nvSpPr>
-          <p:cNvPr id="121" name="Shape 121"/>
+          <p:cNvPr id="119" name="Shape 119"/>
           <p:cNvSpPr/>
           <p:nvPr/>
         </p:nvSpPr>
@@ -9410,7 +9837,7 @@
       </p:sp>
       <p:sp>
         <p:nvSpPr>
-          <p:cNvPr id="122" name="Shape 122"/>
+          <p:cNvPr id="120" name="Shape 120"/>
           <p:cNvSpPr/>
           <p:nvPr/>
         </p:nvSpPr>
@@ -9454,7 +9881,7 @@
       </p:sp>
       <p:sp>
         <p:nvSpPr>
-          <p:cNvPr id="123" name="Shape 123"/>
+          <p:cNvPr id="121" name="Shape 121"/>
           <p:cNvSpPr/>
           <p:nvPr/>
         </p:nvSpPr>
@@ -9498,7 +9925,7 @@
       </p:sp>
       <p:sp>
         <p:nvSpPr>
-          <p:cNvPr id="124" name="Shape 124"/>
+          <p:cNvPr id="122" name="Shape 122"/>
           <p:cNvSpPr/>
           <p:nvPr/>
         </p:nvSpPr>
@@ -9542,7 +9969,7 @@
       </p:sp>
       <p:sp>
         <p:nvSpPr>
-          <p:cNvPr id="125" name="Shape 125"/>
+          <p:cNvPr id="123" name="Shape 123"/>
           <p:cNvSpPr/>
           <p:nvPr/>
         </p:nvSpPr>
@@ -9586,7 +10013,7 @@
       </p:sp>
       <p:sp>
         <p:nvSpPr>
-          <p:cNvPr id="126" name="Shape 126"/>
+          <p:cNvPr id="124" name="Shape 124"/>
           <p:cNvSpPr/>
           <p:nvPr/>
         </p:nvSpPr>
@@ -9630,7 +10057,7 @@
       </p:sp>
       <p:sp>
         <p:nvSpPr>
-          <p:cNvPr id="127" name="Shape 127"/>
+          <p:cNvPr id="125" name="Shape 125"/>
           <p:cNvSpPr/>
           <p:nvPr/>
         </p:nvSpPr>
@@ -9674,7 +10101,7 @@
       </p:sp>
       <p:sp>
         <p:nvSpPr>
-          <p:cNvPr id="128" name="Shape 128"/>
+          <p:cNvPr id="126" name="Shape 126"/>
           <p:cNvSpPr/>
           <p:nvPr/>
         </p:nvSpPr>
@@ -9718,7 +10145,7 @@
       </p:sp>
       <p:sp>
         <p:nvSpPr>
-          <p:cNvPr id="129" name="Shape 129"/>
+          <p:cNvPr id="127" name="Shape 127"/>
           <p:cNvSpPr/>
           <p:nvPr/>
         </p:nvSpPr>
@@ -9756,7 +10183,7 @@
       </p:sp>
       <p:sp>
         <p:nvSpPr>
-          <p:cNvPr id="130" name="Shape 130"/>
+          <p:cNvPr id="128" name="Shape 128"/>
           <p:cNvSpPr/>
           <p:nvPr/>
         </p:nvSpPr>
@@ -9794,7 +10221,7 @@
       </p:sp>
       <p:sp>
         <p:nvSpPr>
-          <p:cNvPr id="131" name="Shape 131"/>
+          <p:cNvPr id="129" name="Shape 129"/>
           <p:cNvSpPr/>
           <p:nvPr/>
         </p:nvSpPr>
@@ -9832,7 +10259,7 @@
       </p:sp>
       <p:sp>
         <p:nvSpPr>
-          <p:cNvPr id="132" name="Shape 132"/>
+          <p:cNvPr id="130" name="Shape 130"/>
           <p:cNvSpPr/>
           <p:nvPr/>
         </p:nvSpPr>
@@ -9876,7 +10303,7 @@
       </p:sp>
       <p:sp>
         <p:nvSpPr>
-          <p:cNvPr id="133" name="Shape 133"/>
+          <p:cNvPr id="131" name="Shape 131"/>
           <p:cNvSpPr/>
           <p:nvPr/>
         </p:nvSpPr>
@@ -9920,7 +10347,7 @@
       </p:sp>
       <p:sp>
         <p:nvSpPr>
-          <p:cNvPr id="134" name="Shape 134"/>
+          <p:cNvPr id="132" name="Shape 132"/>
           <p:cNvSpPr/>
           <p:nvPr/>
         </p:nvSpPr>
@@ -9958,7 +10385,7 @@
       </p:sp>
       <p:sp>
         <p:nvSpPr>
-          <p:cNvPr id="135" name="Shape 135"/>
+          <p:cNvPr id="133" name="Shape 133"/>
           <p:cNvSpPr/>
           <p:nvPr>
             <p:ph type="body" idx="1"/>

--- a/source/assets/tech_intro.pptx
+++ b/source/assets/tech_intro.pptx
@@ -6249,7 +6249,7 @@
         <p:spPr>
           <a:xfrm>
             <a:off x="8978106" y="3411006"/>
-            <a:ext cx="5838641" cy="969150"/>
+            <a:ext cx="5838640" cy="969150"/>
           </a:xfrm>
           <a:prstGeom prst="rect">
             <a:avLst/>
@@ -6292,8 +6292,8 @@
         </p:nvSpPr>
         <p:spPr>
           <a:xfrm>
-            <a:off x="8993584" y="7756061"/>
-            <a:ext cx="5838641" cy="969150"/>
+            <a:off x="8993585" y="7756061"/>
+            <a:ext cx="5838640" cy="969150"/>
           </a:xfrm>
           <a:prstGeom prst="rect">
             <a:avLst/>
@@ -6461,8 +6461,8 @@
         </p:blipFill>
         <p:spPr>
           <a:xfrm>
-            <a:off x="16402340" y="8868297"/>
-            <a:ext cx="5688846" cy="2505563"/>
+            <a:off x="16402339" y="8868296"/>
+            <a:ext cx="5688846" cy="2505564"/>
           </a:xfrm>
           <a:prstGeom prst="rect">
             <a:avLst/>
@@ -8718,8 +8718,8 @@
         </p:nvSpPr>
         <p:spPr>
           <a:xfrm>
-            <a:off x="1828403" y="10758032"/>
-            <a:ext cx="4999336" cy="808435"/>
+            <a:off x="1828403" y="10758031"/>
+            <a:ext cx="4999336" cy="808436"/>
           </a:xfrm>
           <a:prstGeom prst="rect">
             <a:avLst/>
@@ -10493,7 +10493,7 @@
                 <a:cs typeface="+mn-cs"/>
                 <a:sym typeface="Helvetica Neue Light"/>
               </a:rPr>
-              <a:t>Full members</a:t>
+              <a:t>Allocating</a:t>
             </a:r>
             <a:endParaRPr sz="4940">
               <a:solidFill>
@@ -10527,7 +10527,7 @@
                 <a:cs typeface="+mn-cs"/>
                 <a:sym typeface="Helvetica Neue Light"/>
               </a:rPr>
-              <a:t>Affiliated members</a:t>
+              <a:t>Non-allocating</a:t>
             </a:r>
             <a:endParaRPr sz="4940">
               <a:solidFill>

--- a/source/assets/tech_intro.pptx
+++ b/source/assets/tech_intro.pptx
@@ -3117,7 +3117,7 @@
       </p:grpSpPr>
       <p:sp>
         <p:nvSpPr>
-          <p:cNvPr id="135" name="Shape 135"/>
+          <p:cNvPr id="136" name="Shape 136"/>
           <p:cNvSpPr/>
           <p:nvPr>
             <p:ph type="title"/>
@@ -3144,7 +3144,7 @@
       </p:sp>
       <p:sp>
         <p:nvSpPr>
-          <p:cNvPr id="136" name="Shape 136"/>
+          <p:cNvPr id="137" name="Shape 137"/>
           <p:cNvSpPr/>
           <p:nvPr>
             <p:ph type="body" idx="1"/>
@@ -3184,7 +3184,7 @@
                 <a:cs typeface="+mn-cs"/>
                 <a:sym typeface="Helvetica Neue Light"/>
               </a:rPr>
-              <a:t>DataCite serves all the data centres using a centralised infrastructure</a:t>
+              <a:t>DataCite serves all the data centers using a centralized infrastructure</a:t>
             </a:r>
             <a:endParaRPr sz="5200">
               <a:solidFill>
@@ -3259,7 +3259,7 @@
       </p:sp>
       <p:pic>
         <p:nvPicPr>
-          <p:cNvPr id="137" name="pasted-image.png"/>
+          <p:cNvPr id="138" name="pasted-image.png"/>
           <p:cNvPicPr/>
           <p:nvPr/>
         </p:nvPicPr>
@@ -3286,7 +3286,7 @@
       </p:pic>
       <p:pic>
         <p:nvPicPr>
-          <p:cNvPr id="138" name="pasted-image.png"/>
+          <p:cNvPr id="139" name="pasted-image.png"/>
           <p:cNvPicPr/>
           <p:nvPr/>
         </p:nvPicPr>
@@ -3313,7 +3313,7 @@
       </p:pic>
       <p:pic>
         <p:nvPicPr>
-          <p:cNvPr id="139" name="pasted-image.png"/>
+          <p:cNvPr id="140" name="pasted-image.png"/>
           <p:cNvPicPr/>
           <p:nvPr/>
         </p:nvPicPr>
@@ -3340,7 +3340,7 @@
       </p:pic>
       <p:pic>
         <p:nvPicPr>
-          <p:cNvPr id="140" name="pasted-image.png"/>
+          <p:cNvPr id="141" name="pasted-image.png"/>
           <p:cNvPicPr/>
           <p:nvPr/>
         </p:nvPicPr>
@@ -3367,7 +3367,7 @@
       </p:pic>
       <p:sp>
         <p:nvSpPr>
-          <p:cNvPr id="141" name="Shape 141"/>
+          <p:cNvPr id="142" name="Shape 142"/>
           <p:cNvSpPr/>
           <p:nvPr/>
         </p:nvSpPr>
@@ -3426,7 +3426,7 @@
       </p:sp>
       <p:pic>
         <p:nvPicPr>
-          <p:cNvPr id="142" name="pasted-image.png"/>
+          <p:cNvPr id="143" name="pasted-image.png"/>
           <p:cNvPicPr/>
           <p:nvPr/>
         </p:nvPicPr>
@@ -3453,7 +3453,7 @@
       </p:pic>
       <p:pic>
         <p:nvPicPr>
-          <p:cNvPr id="143" name="pasted-image.png"/>
+          <p:cNvPr id="144" name="pasted-image.png"/>
           <p:cNvPicPr/>
           <p:nvPr/>
         </p:nvPicPr>
@@ -3480,7 +3480,7 @@
       </p:pic>
       <p:pic>
         <p:nvPicPr>
-          <p:cNvPr id="144" name="pasted-image.png"/>
+          <p:cNvPr id="145" name="pasted-image.png"/>
           <p:cNvPicPr/>
           <p:nvPr/>
         </p:nvPicPr>
@@ -3507,7 +3507,7 @@
       </p:pic>
       <p:pic>
         <p:nvPicPr>
-          <p:cNvPr id="145" name="pasted-image.png"/>
+          <p:cNvPr id="146" name="pasted-image.png"/>
           <p:cNvPicPr/>
           <p:nvPr/>
         </p:nvPicPr>
@@ -3534,7 +3534,7 @@
       </p:pic>
       <p:sp>
         <p:nvSpPr>
-          <p:cNvPr id="146" name="Shape 146"/>
+          <p:cNvPr id="147" name="Shape 147"/>
           <p:cNvSpPr/>
           <p:nvPr/>
         </p:nvSpPr>
@@ -3587,7 +3587,7 @@
       </p:sp>
       <p:sp>
         <p:nvSpPr>
-          <p:cNvPr id="147" name="Shape 147"/>
+          <p:cNvPr id="148" name="Shape 148"/>
           <p:cNvSpPr/>
           <p:nvPr/>
         </p:nvSpPr>
@@ -3645,7 +3645,7 @@
       </p:sp>
       <p:sp>
         <p:nvSpPr>
-          <p:cNvPr id="148" name="Shape 148"/>
+          <p:cNvPr id="149" name="Shape 149"/>
           <p:cNvSpPr/>
           <p:nvPr/>
         </p:nvSpPr>
@@ -3682,14 +3682,14 @@
             </a:pPr>
             <a:r>
               <a:rPr sz="3000"/>
-              <a:t>Data centre</a:t>
-            </a:r>
-          </a:p>
-        </p:txBody>
-      </p:sp>
-      <p:sp>
-        <p:nvSpPr>
-          <p:cNvPr id="149" name="Shape 149"/>
+              <a:t>Data center</a:t>
+            </a:r>
+          </a:p>
+        </p:txBody>
+      </p:sp>
+      <p:sp>
+        <p:nvSpPr>
+          <p:cNvPr id="150" name="Shape 150"/>
           <p:cNvSpPr/>
           <p:nvPr/>
         </p:nvSpPr>
@@ -3726,14 +3726,14 @@
             </a:pPr>
             <a:r>
               <a:rPr sz="3000"/>
-              <a:t>Data centre</a:t>
-            </a:r>
-          </a:p>
-        </p:txBody>
-      </p:sp>
-      <p:sp>
-        <p:nvSpPr>
-          <p:cNvPr id="150" name="Shape 150"/>
+              <a:t>Data center</a:t>
+            </a:r>
+          </a:p>
+        </p:txBody>
+      </p:sp>
+      <p:sp>
+        <p:nvSpPr>
+          <p:cNvPr id="151" name="Shape 151"/>
           <p:cNvSpPr/>
           <p:nvPr/>
         </p:nvSpPr>
@@ -3770,14 +3770,14 @@
             </a:pPr>
             <a:r>
               <a:rPr sz="3000"/>
-              <a:t>Data centre</a:t>
-            </a:r>
-          </a:p>
-        </p:txBody>
-      </p:sp>
-      <p:sp>
-        <p:nvSpPr>
-          <p:cNvPr id="151" name="Shape 151"/>
+              <a:t>Data center</a:t>
+            </a:r>
+          </a:p>
+        </p:txBody>
+      </p:sp>
+      <p:sp>
+        <p:nvSpPr>
+          <p:cNvPr id="152" name="Shape 152"/>
           <p:cNvSpPr/>
           <p:nvPr/>
         </p:nvSpPr>
@@ -3814,14 +3814,14 @@
             </a:pPr>
             <a:r>
               <a:rPr sz="3000"/>
-              <a:t>Data centre</a:t>
-            </a:r>
-          </a:p>
-        </p:txBody>
-      </p:sp>
-      <p:sp>
-        <p:nvSpPr>
-          <p:cNvPr id="152" name="Shape 152"/>
+              <a:t>Data center</a:t>
+            </a:r>
+          </a:p>
+        </p:txBody>
+      </p:sp>
+      <p:sp>
+        <p:nvSpPr>
+          <p:cNvPr id="153" name="Shape 153"/>
           <p:cNvSpPr/>
           <p:nvPr/>
         </p:nvSpPr>
@@ -3858,14 +3858,14 @@
             </a:pPr>
             <a:r>
               <a:rPr sz="3000"/>
-              <a:t>Data centre</a:t>
-            </a:r>
-          </a:p>
-        </p:txBody>
-      </p:sp>
-      <p:sp>
-        <p:nvSpPr>
-          <p:cNvPr id="153" name="Shape 153"/>
+              <a:t>Data center</a:t>
+            </a:r>
+          </a:p>
+        </p:txBody>
+      </p:sp>
+      <p:sp>
+        <p:nvSpPr>
+          <p:cNvPr id="154" name="Shape 154"/>
           <p:cNvSpPr/>
           <p:nvPr/>
         </p:nvSpPr>
@@ -3902,14 +3902,14 @@
             </a:pPr>
             <a:r>
               <a:rPr sz="3000"/>
-              <a:t>Data centre</a:t>
-            </a:r>
-          </a:p>
-        </p:txBody>
-      </p:sp>
-      <p:sp>
-        <p:nvSpPr>
-          <p:cNvPr id="154" name="Shape 154"/>
+              <a:t>Data center</a:t>
+            </a:r>
+          </a:p>
+        </p:txBody>
+      </p:sp>
+      <p:sp>
+        <p:nvSpPr>
+          <p:cNvPr id="155" name="Shape 155"/>
           <p:cNvSpPr/>
           <p:nvPr/>
         </p:nvSpPr>
@@ -3946,14 +3946,14 @@
             </a:pPr>
             <a:r>
               <a:rPr sz="3000"/>
-              <a:t>Data centre</a:t>
-            </a:r>
-          </a:p>
-        </p:txBody>
-      </p:sp>
-      <p:sp>
-        <p:nvSpPr>
-          <p:cNvPr id="155" name="Shape 155"/>
+              <a:t>Data center</a:t>
+            </a:r>
+          </a:p>
+        </p:txBody>
+      </p:sp>
+      <p:sp>
+        <p:nvSpPr>
+          <p:cNvPr id="156" name="Shape 156"/>
           <p:cNvSpPr/>
           <p:nvPr/>
         </p:nvSpPr>
@@ -4006,7 +4006,7 @@
       </p:sp>
       <p:sp>
         <p:nvSpPr>
-          <p:cNvPr id="156" name="Shape 156"/>
+          <p:cNvPr id="157" name="Shape 157"/>
           <p:cNvSpPr/>
           <p:nvPr/>
         </p:nvSpPr>
@@ -4044,7 +4044,7 @@
       </p:sp>
       <p:sp>
         <p:nvSpPr>
-          <p:cNvPr id="157" name="Shape 157"/>
+          <p:cNvPr id="158" name="Shape 158"/>
           <p:cNvSpPr/>
           <p:nvPr/>
         </p:nvSpPr>
@@ -4082,7 +4082,7 @@
       </p:sp>
       <p:sp>
         <p:nvSpPr>
-          <p:cNvPr id="158" name="Shape 158"/>
+          <p:cNvPr id="159" name="Shape 159"/>
           <p:cNvSpPr/>
           <p:nvPr/>
         </p:nvSpPr>
@@ -4120,7 +4120,7 @@
       </p:sp>
       <p:sp>
         <p:nvSpPr>
-          <p:cNvPr id="159" name="Shape 159"/>
+          <p:cNvPr id="160" name="Shape 160"/>
           <p:cNvSpPr/>
           <p:nvPr/>
         </p:nvSpPr>
@@ -4158,7 +4158,7 @@
       </p:sp>
       <p:sp>
         <p:nvSpPr>
-          <p:cNvPr id="160" name="Shape 160"/>
+          <p:cNvPr id="161" name="Shape 161"/>
           <p:cNvSpPr/>
           <p:nvPr/>
         </p:nvSpPr>
@@ -4196,7 +4196,7 @@
       </p:sp>
       <p:sp>
         <p:nvSpPr>
-          <p:cNvPr id="161" name="Shape 161"/>
+          <p:cNvPr id="162" name="Shape 162"/>
           <p:cNvSpPr/>
           <p:nvPr/>
         </p:nvSpPr>
@@ -4234,7 +4234,7 @@
       </p:sp>
       <p:sp>
         <p:nvSpPr>
-          <p:cNvPr id="162" name="Shape 162"/>
+          <p:cNvPr id="163" name="Shape 163"/>
           <p:cNvSpPr/>
           <p:nvPr/>
         </p:nvSpPr>
@@ -4298,7 +4298,7 @@
       </p:grpSpPr>
       <p:sp>
         <p:nvSpPr>
-          <p:cNvPr id="164" name="Shape 164"/>
+          <p:cNvPr id="165" name="Shape 165"/>
           <p:cNvSpPr/>
           <p:nvPr>
             <p:ph type="title"/>
@@ -4325,7 +4325,7 @@
       </p:sp>
       <p:sp>
         <p:nvSpPr>
-          <p:cNvPr id="165" name="Shape 165"/>
+          <p:cNvPr id="166" name="Shape 166"/>
           <p:cNvSpPr/>
           <p:nvPr>
             <p:ph type="body" idx="1"/>
@@ -4360,7 +4360,7 @@
       </p:sp>
       <p:pic>
         <p:nvPicPr>
-          <p:cNvPr id="166" name="dc_2.pdf"/>
+          <p:cNvPr id="167" name="dc_2.pdf"/>
           <p:cNvPicPr/>
           <p:nvPr/>
         </p:nvPicPr>
@@ -4414,7 +4414,7 @@
       </p:grpSpPr>
       <p:sp>
         <p:nvSpPr>
-          <p:cNvPr id="168" name="Shape 168"/>
+          <p:cNvPr id="169" name="Shape 169"/>
           <p:cNvSpPr/>
           <p:nvPr>
             <p:ph type="title"/>
@@ -4441,7 +4441,7 @@
       </p:sp>
       <p:sp>
         <p:nvSpPr>
-          <p:cNvPr id="169" name="Shape 169"/>
+          <p:cNvPr id="170" name="Shape 170"/>
           <p:cNvSpPr/>
           <p:nvPr>
             <p:ph type="body" idx="1"/>
@@ -4576,7 +4576,7 @@
       </p:sp>
       <p:pic>
         <p:nvPicPr>
-          <p:cNvPr id="170" name="version 2 wide.pdf"/>
+          <p:cNvPr id="171" name="version 2 wide.pdf"/>
           <p:cNvPicPr/>
           <p:nvPr/>
         </p:nvPicPr>
@@ -4629,7 +4629,7 @@
       </p:grpSpPr>
       <p:sp>
         <p:nvSpPr>
-          <p:cNvPr id="172" name="Shape 172"/>
+          <p:cNvPr id="173" name="Shape 173"/>
           <p:cNvSpPr/>
           <p:nvPr>
             <p:ph type="title"/>
@@ -4656,7 +4656,7 @@
       </p:sp>
       <p:sp>
         <p:nvSpPr>
-          <p:cNvPr id="173" name="Shape 173"/>
+          <p:cNvPr id="174" name="Shape 174"/>
           <p:cNvSpPr/>
           <p:nvPr>
             <p:ph type="body" idx="1"/>
@@ -4695,7 +4695,7 @@
       </p:sp>
       <p:pic>
         <p:nvPicPr>
-          <p:cNvPr id="174" name="pasted-image.png"/>
+          <p:cNvPr id="175" name="pasted-image.png"/>
           <p:cNvPicPr/>
           <p:nvPr/>
         </p:nvPicPr>
@@ -4722,7 +4722,7 @@
       </p:pic>
       <p:pic>
         <p:nvPicPr>
-          <p:cNvPr id="175" name="pasted-image.png"/>
+          <p:cNvPr id="176" name="pasted-image.png"/>
           <p:cNvPicPr/>
           <p:nvPr/>
         </p:nvPicPr>
@@ -4749,7 +4749,7 @@
       </p:pic>
       <p:sp>
         <p:nvSpPr>
-          <p:cNvPr id="176" name="Shape 176"/>
+          <p:cNvPr id="177" name="Shape 177"/>
           <p:cNvSpPr/>
           <p:nvPr/>
         </p:nvSpPr>
@@ -4793,7 +4793,7 @@
       </p:sp>
       <p:sp>
         <p:nvSpPr>
-          <p:cNvPr id="177" name="Shape 177"/>
+          <p:cNvPr id="178" name="Shape 178"/>
           <p:cNvSpPr/>
           <p:nvPr/>
         </p:nvSpPr>
@@ -4837,7 +4837,7 @@
       </p:sp>
       <p:pic>
         <p:nvPicPr>
-          <p:cNvPr id="178" name="version 2 wide.pdf"/>
+          <p:cNvPr id="179" name="version 2 wide.pdf"/>
           <p:cNvPicPr/>
           <p:nvPr/>
         </p:nvPicPr>
@@ -4890,7 +4890,7 @@
       </p:grpSpPr>
       <p:sp>
         <p:nvSpPr>
-          <p:cNvPr id="180" name="Shape 180"/>
+          <p:cNvPr id="181" name="Shape 181"/>
           <p:cNvSpPr/>
           <p:nvPr>
             <p:ph type="title"/>
@@ -4917,7 +4917,7 @@
       </p:sp>
       <p:pic>
         <p:nvPicPr>
-          <p:cNvPr id="181" name="pasted-image.png"/>
+          <p:cNvPr id="182" name="pasted-image.png"/>
           <p:cNvPicPr/>
           <p:nvPr/>
         </p:nvPicPr>
@@ -4944,7 +4944,7 @@
       </p:pic>
       <p:sp>
         <p:nvSpPr>
-          <p:cNvPr id="182" name="Shape 182"/>
+          <p:cNvPr id="183" name="Shape 183"/>
           <p:cNvSpPr/>
           <p:nvPr/>
         </p:nvSpPr>
@@ -4988,7 +4988,7 @@
       </p:sp>
       <p:sp>
         <p:nvSpPr>
-          <p:cNvPr id="183" name="Shape 183"/>
+          <p:cNvPr id="184" name="Shape 184"/>
           <p:cNvSpPr/>
           <p:nvPr/>
         </p:nvSpPr>
@@ -5032,7 +5032,7 @@
       </p:sp>
       <p:sp>
         <p:nvSpPr>
-          <p:cNvPr id="184" name="Shape 184"/>
+          <p:cNvPr id="185" name="Shape 185"/>
           <p:cNvSpPr/>
           <p:nvPr/>
         </p:nvSpPr>
@@ -5076,7 +5076,7 @@
       </p:sp>
       <p:pic>
         <p:nvPicPr>
-          <p:cNvPr id="185" name="version 2 wide.pdf"/>
+          <p:cNvPr id="186" name="version 2 wide.pdf"/>
           <p:cNvPicPr/>
           <p:nvPr/>
         </p:nvPicPr>
@@ -5129,7 +5129,7 @@
       </p:grpSpPr>
       <p:sp>
         <p:nvSpPr>
-          <p:cNvPr id="187" name="Shape 187"/>
+          <p:cNvPr id="188" name="Shape 188"/>
           <p:cNvSpPr/>
           <p:nvPr>
             <p:ph type="title"/>
@@ -5156,7 +5156,7 @@
       </p:sp>
       <p:sp>
         <p:nvSpPr>
-          <p:cNvPr id="188" name="Shape 188"/>
+          <p:cNvPr id="189" name="Shape 189"/>
           <p:cNvSpPr/>
           <p:nvPr>
             <p:ph type="body" idx="1"/>
@@ -5235,7 +5235,7 @@
       </p:sp>
       <p:sp>
         <p:nvSpPr>
-          <p:cNvPr id="189" name="Shape 189"/>
+          <p:cNvPr id="190" name="Shape 190"/>
           <p:cNvSpPr/>
           <p:nvPr/>
         </p:nvSpPr>
@@ -5345,7 +5345,7 @@
       </p:sp>
       <p:sp>
         <p:nvSpPr>
-          <p:cNvPr id="190" name="Shape 190"/>
+          <p:cNvPr id="191" name="Shape 191"/>
           <p:cNvSpPr/>
           <p:nvPr/>
         </p:nvSpPr>
@@ -5455,7 +5455,7 @@
       </p:sp>
       <p:sp>
         <p:nvSpPr>
-          <p:cNvPr id="191" name="Shape 191"/>
+          <p:cNvPr id="192" name="Shape 192"/>
           <p:cNvSpPr/>
           <p:nvPr/>
         </p:nvSpPr>
@@ -5509,7 +5509,7 @@
       </p:sp>
       <p:sp>
         <p:nvSpPr>
-          <p:cNvPr id="192" name="Shape 192"/>
+          <p:cNvPr id="193" name="Shape 193"/>
           <p:cNvSpPr/>
           <p:nvPr/>
         </p:nvSpPr>
@@ -5563,7 +5563,7 @@
       </p:sp>
       <p:pic>
         <p:nvPicPr>
-          <p:cNvPr id="193" name="version 2 wide.pdf"/>
+          <p:cNvPr id="194" name="version 2 wide.pdf"/>
           <p:cNvPicPr/>
           <p:nvPr/>
         </p:nvPicPr>
@@ -5616,7 +5616,7 @@
       </p:grpSpPr>
       <p:sp>
         <p:nvSpPr>
-          <p:cNvPr id="195" name="Shape 195"/>
+          <p:cNvPr id="196" name="Shape 196"/>
           <p:cNvSpPr/>
           <p:nvPr>
             <p:ph type="title"/>
@@ -5643,7 +5643,7 @@
       </p:sp>
       <p:sp>
         <p:nvSpPr>
-          <p:cNvPr id="196" name="Shape 196"/>
+          <p:cNvPr id="197" name="Shape 197"/>
           <p:cNvSpPr/>
           <p:nvPr>
             <p:ph type="body" idx="1"/>
@@ -5771,7 +5771,7 @@
       </p:sp>
       <p:pic>
         <p:nvPicPr>
-          <p:cNvPr id="197" name="version 2 wide.pdf"/>
+          <p:cNvPr id="198" name="version 2 wide.pdf"/>
           <p:cNvPicPr/>
           <p:nvPr/>
         </p:nvPicPr>
@@ -5824,7 +5824,7 @@
       </p:grpSpPr>
       <p:sp>
         <p:nvSpPr>
-          <p:cNvPr id="199" name="Shape 199"/>
+          <p:cNvPr id="200" name="Shape 200"/>
           <p:cNvSpPr/>
           <p:nvPr>
             <p:ph type="title"/>
@@ -5855,7 +5855,7 @@
       </p:sp>
       <p:sp>
         <p:nvSpPr>
-          <p:cNvPr id="200" name="Shape 200"/>
+          <p:cNvPr id="201" name="Shape 201"/>
           <p:cNvSpPr/>
           <p:nvPr>
             <p:ph type="body" idx="1"/>
@@ -5934,7 +5934,7 @@
       </p:sp>
       <p:pic>
         <p:nvPicPr>
-          <p:cNvPr id="201" name="version 2 wide.pdf"/>
+          <p:cNvPr id="202" name="version 2 wide.pdf"/>
           <p:cNvPicPr/>
           <p:nvPr/>
         </p:nvPicPr>
@@ -5987,7 +5987,7 @@
       </p:grpSpPr>
       <p:sp>
         <p:nvSpPr>
-          <p:cNvPr id="203" name="Shape 203"/>
+          <p:cNvPr id="204" name="Shape 204"/>
           <p:cNvSpPr/>
           <p:nvPr>
             <p:ph type="title"/>
@@ -6018,7 +6018,7 @@
       </p:sp>
       <p:pic>
         <p:nvPicPr>
-          <p:cNvPr id="204" name="version 2 wide.pdf"/>
+          <p:cNvPr id="205" name="version 2 wide.pdf"/>
           <p:cNvPicPr/>
           <p:nvPr/>
         </p:nvPicPr>
@@ -6045,7 +6045,7 @@
       </p:pic>
       <p:pic>
         <p:nvPicPr>
-          <p:cNvPr id="205" name="pasted-image.png"/>
+          <p:cNvPr id="206" name="pasted-image.png"/>
           <p:cNvPicPr/>
           <p:nvPr/>
         </p:nvPicPr>
@@ -6072,7 +6072,7 @@
       </p:pic>
       <p:sp>
         <p:nvSpPr>
-          <p:cNvPr id="206" name="Shape 206"/>
+          <p:cNvPr id="207" name="Shape 207"/>
           <p:cNvSpPr/>
           <p:nvPr/>
         </p:nvSpPr>
@@ -6116,7 +6116,7 @@
       </p:sp>
       <p:pic>
         <p:nvPicPr>
-          <p:cNvPr id="207" name="pasted-image.png"/>
+          <p:cNvPr id="208" name="pasted-image.png"/>
           <p:cNvPicPr/>
           <p:nvPr/>
         </p:nvPicPr>
@@ -6143,7 +6143,7 @@
       </p:pic>
       <p:sp>
         <p:nvSpPr>
-          <p:cNvPr id="208" name="Shape 208"/>
+          <p:cNvPr id="209" name="Shape 209"/>
           <p:cNvSpPr/>
           <p:nvPr/>
         </p:nvSpPr>
@@ -6187,7 +6187,7 @@
       </p:sp>
       <p:pic>
         <p:nvPicPr>
-          <p:cNvPr id="209" name="pasted-image.png"/>
+          <p:cNvPr id="210" name="pasted-image.png"/>
           <p:cNvPicPr/>
           <p:nvPr/>
         </p:nvPicPr>
@@ -6214,7 +6214,7 @@
       </p:pic>
       <p:pic>
         <p:nvPicPr>
-          <p:cNvPr id="210" name="pasted-image.png"/>
+          <p:cNvPr id="211" name="pasted-image.png"/>
           <p:cNvPicPr/>
           <p:nvPr/>
         </p:nvPicPr>
@@ -6242,7 +6242,7 @@
       </p:pic>
       <p:sp>
         <p:nvSpPr>
-          <p:cNvPr id="211" name="Shape 211"/>
+          <p:cNvPr id="212" name="Shape 212"/>
           <p:cNvSpPr/>
           <p:nvPr/>
         </p:nvSpPr>
@@ -6286,7 +6286,7 @@
       </p:sp>
       <p:sp>
         <p:nvSpPr>
-          <p:cNvPr id="212" name="Shape 212"/>
+          <p:cNvPr id="213" name="Shape 213"/>
           <p:cNvSpPr/>
           <p:nvPr/>
         </p:nvSpPr>
@@ -6330,7 +6330,7 @@
       </p:sp>
       <p:sp>
         <p:nvSpPr>
-          <p:cNvPr id="213" name="Shape 213"/>
+          <p:cNvPr id="214" name="Shape 214"/>
           <p:cNvSpPr/>
           <p:nvPr/>
         </p:nvSpPr>
@@ -6374,7 +6374,7 @@
       </p:sp>
       <p:pic>
         <p:nvPicPr>
-          <p:cNvPr id="214" name="pasted-image.png"/>
+          <p:cNvPr id="215" name="pasted-image.png"/>
           <p:cNvPicPr/>
           <p:nvPr/>
         </p:nvPicPr>
@@ -6402,7 +6402,7 @@
       </p:pic>
       <p:sp>
         <p:nvSpPr>
-          <p:cNvPr id="215" name="Shape 215"/>
+          <p:cNvPr id="216" name="Shape 216"/>
           <p:cNvSpPr/>
           <p:nvPr/>
         </p:nvSpPr>
@@ -6446,7 +6446,7 @@
       </p:sp>
       <p:pic>
         <p:nvPicPr>
-          <p:cNvPr id="216" name="pasted-image.png"/>
+          <p:cNvPr id="217" name="pasted-image.png"/>
           <p:cNvPicPr/>
           <p:nvPr/>
         </p:nvPicPr>
@@ -6500,7 +6500,7 @@
       </p:grpSpPr>
       <p:sp>
         <p:nvSpPr>
-          <p:cNvPr id="218" name="Shape 218"/>
+          <p:cNvPr id="219" name="Shape 219"/>
           <p:cNvSpPr/>
           <p:nvPr/>
         </p:nvSpPr>
@@ -6558,7 +6558,7 @@
       </p:sp>
       <p:sp>
         <p:nvSpPr>
-          <p:cNvPr id="219" name="Shape 219"/>
+          <p:cNvPr id="220" name="Shape 220"/>
           <p:cNvSpPr/>
           <p:nvPr/>
         </p:nvSpPr>
@@ -6755,7 +6755,7 @@
       </p:grpSpPr>
       <p:sp>
         <p:nvSpPr>
-          <p:cNvPr id="221" name="Shape 221"/>
+          <p:cNvPr id="222" name="Shape 222"/>
           <p:cNvSpPr/>
           <p:nvPr>
             <p:ph type="title"/>
@@ -6782,7 +6782,7 @@
       </p:sp>
       <p:sp>
         <p:nvSpPr>
-          <p:cNvPr id="222" name="Shape 222"/>
+          <p:cNvPr id="223" name="Shape 223"/>
           <p:cNvSpPr/>
           <p:nvPr>
             <p:ph type="body" idx="1"/>
@@ -6826,15 +6826,7 @@
                 </a:solidFill>
                 <a:hlinkClick r:id="rId2" invalidUrl="" action="" tgtFrame="" tooltip="" history="1" highlightClick="0" endSnd="0"/>
               </a:rPr>
-              <a:t>doi.org/10.1000/182</a:t>
-            </a:r>
-            <a:r>
-              <a:rPr sz="5000">
-                <a:solidFill>
-                  <a:srgbClr val="747474"/>
-                </a:solidFill>
-              </a:rPr>
-              <a:t> </a:t>
+              <a:t>https://doi.org/10.1000/182</a:t>
             </a:r>
             <a:endParaRPr sz="5000">
               <a:solidFill>
@@ -6872,7 +6864,7 @@
                 </a:solidFill>
                 <a:hlinkClick r:id="rId3" invalidUrl="" action="" tgtFrame="" tooltip="" history="1" highlightClick="0" endSnd="0"/>
               </a:rPr>
-              <a:t>doi.org/10.5438/0010</a:t>
+              <a:t>https://doi.org/10.5438/0012</a:t>
             </a:r>
             <a:r>
               <a:rPr sz="5000">
@@ -6916,29 +6908,21 @@
                 <a:solidFill>
                   <a:srgbClr val="747474"/>
                 </a:solidFill>
-                <a:hlinkClick r:id="rId4" invalidUrl="" action="" tgtFrame="" tooltip="" history="1" highlightClick="0" endSnd="0"/>
+                <a:hlinkClick r:id="rId3" invalidUrl="" action="" tgtFrame="" tooltip="" history="1" highlightClick="0" endSnd="0"/>
               </a:rPr>
-              <a:t>doi.org/10.5438/0011</a:t>
-            </a:r>
-            <a:r>
-              <a:rPr sz="5000">
-                <a:solidFill>
-                  <a:srgbClr val="747474"/>
-                </a:solidFill>
-              </a:rPr>
-              <a:t> </a:t>
+              <a:t>https://doi.org/10.5438/0013</a:t>
             </a:r>
           </a:p>
         </p:txBody>
       </p:sp>
       <p:pic>
         <p:nvPicPr>
-          <p:cNvPr id="223" name="version 2 wide.pdf"/>
+          <p:cNvPr id="224" name="version 2 wide.pdf"/>
           <p:cNvPicPr/>
           <p:nvPr/>
         </p:nvPicPr>
         <p:blipFill>
-          <a:blip r:embed="rId5">
+          <a:blip r:embed="rId4">
             <a:extLst/>
           </a:blip>
           <a:stretch>
@@ -9339,7 +9323,7 @@
             </a:pPr>
             <a:r>
               <a:rPr sz="5800"/>
-              <a:t>Resolving DOIs</a:t>
+              <a:t>Cool DOIs</a:t>
             </a:r>
           </a:p>
         </p:txBody>
@@ -9374,7 +9358,7 @@
                   <a:srgbClr val="747474"/>
                 </a:solidFill>
               </a:rPr>
-              <a:t>You can resolve a DOI to its URL using:</a:t>
+              <a:t>DataCite’s display guidelines: DOIs should be displayed as HTTPS URLs</a:t>
             </a:r>
             <a:endParaRPr sz="5200">
               <a:solidFill>
@@ -9397,7 +9381,7 @@
                 </a:solidFill>
                 <a:hlinkClick r:id="rId2" invalidUrl="" action="" tgtFrame="" tooltip="" history="1" highlightClick="0" endSnd="0"/>
               </a:rPr>
-              <a:t>http://doi.org/DOI name</a:t>
+              <a:t>https://doi.org/DOI name</a:t>
             </a:r>
             <a:r>
               <a:rPr sz="5200">
@@ -9414,6 +9398,28 @@
             </a:endParaRPr>
           </a:p>
           <a:p>
+            <a:pPr lvl="0" marL="736600" indent="-736600">
+              <a:defRPr sz="1800">
+                <a:solidFill>
+                  <a:srgbClr val="000000"/>
+                </a:solidFill>
+              </a:defRPr>
+            </a:pPr>
+            <a:r>
+              <a:rPr sz="5200">
+                <a:solidFill>
+                  <a:srgbClr val="747474"/>
+                </a:solidFill>
+              </a:rPr>
+              <a:t>Designing your suffix:</a:t>
+            </a:r>
+            <a:endParaRPr sz="5200">
+              <a:solidFill>
+                <a:srgbClr val="747474"/>
+              </a:solidFill>
+            </a:endParaRPr>
+          </a:p>
+          <a:p>
             <a:pPr lvl="1" marL="1371600" indent="-736600">
               <a:defRPr sz="1800">
                 <a:solidFill>
@@ -9422,21 +9428,56 @@
               </a:defRPr>
             </a:pPr>
             <a:r>
-              <a:rPr sz="5200" u="sng">
-                <a:solidFill>
-                  <a:srgbClr val="5F8C94"/>
-                </a:solidFill>
-                <a:hlinkClick r:id="rId3" invalidUrl="" action="" tgtFrame="" tooltip="" history="1" highlightClick="0" endSnd="0"/>
+              <a:rPr sz="5200">
+                <a:solidFill>
+                  <a:srgbClr val="747474"/>
+                </a:solidFill>
               </a:rPr>
-              <a:t>http://dx.doi.org/DOI name</a:t>
-            </a:r>
+              <a:t>Human readable</a:t>
+            </a:r>
+            <a:endParaRPr sz="5200">
+              <a:solidFill>
+                <a:srgbClr val="747474"/>
+              </a:solidFill>
+            </a:endParaRPr>
+          </a:p>
+          <a:p>
+            <a:pPr lvl="1" marL="1371600" indent="-736600">
+              <a:defRPr sz="1800">
+                <a:solidFill>
+                  <a:srgbClr val="000000"/>
+                </a:solidFill>
+              </a:defRPr>
+            </a:pPr>
             <a:r>
               <a:rPr sz="5200">
                 <a:solidFill>
-                  <a:srgbClr val="5F8C94"/>
+                  <a:srgbClr val="747474"/>
                 </a:solidFill>
               </a:rPr>
-              <a:t> </a:t>
+              <a:t>Avoid semantic information</a:t>
+            </a:r>
+            <a:endParaRPr sz="5200">
+              <a:solidFill>
+                <a:srgbClr val="747474"/>
+              </a:solidFill>
+            </a:endParaRPr>
+          </a:p>
+          <a:p>
+            <a:pPr lvl="1" marL="1371600" indent="-736600">
+              <a:defRPr sz="1800">
+                <a:solidFill>
+                  <a:srgbClr val="000000"/>
+                </a:solidFill>
+              </a:defRPr>
+            </a:pPr>
+            <a:r>
+              <a:rPr sz="5200">
+                <a:solidFill>
+                  <a:srgbClr val="747474"/>
+                </a:solidFill>
+              </a:rPr>
+              <a:t>Make them easy to generate</a:t>
             </a:r>
           </a:p>
         </p:txBody>
@@ -9444,6 +9485,33 @@
       <p:pic>
         <p:nvPicPr>
           <p:cNvPr id="107" name="version 2 wide.pdf"/>
+          <p:cNvPicPr/>
+          <p:nvPr/>
+        </p:nvPicPr>
+        <p:blipFill>
+          <a:blip r:embed="rId3">
+            <a:extLst/>
+          </a:blip>
+          <a:stretch>
+            <a:fillRect/>
+          </a:stretch>
+        </p:blipFill>
+        <p:spPr>
+          <a:xfrm>
+            <a:off x="18135600" y="712397"/>
+            <a:ext cx="5181600" cy="1700784"/>
+          </a:xfrm>
+          <a:prstGeom prst="rect">
+            <a:avLst/>
+          </a:prstGeom>
+          <a:ln w="12700">
+            <a:miter lim="400000"/>
+          </a:ln>
+        </p:spPr>
+      </p:pic>
+      <p:pic>
+        <p:nvPicPr>
+          <p:cNvPr id="108" name="pasted-image.png"/>
           <p:cNvPicPr/>
           <p:nvPr/>
         </p:nvPicPr>
@@ -9457,8 +9525,8 @@
         </p:blipFill>
         <p:spPr>
           <a:xfrm>
-            <a:off x="18135600" y="712397"/>
-            <a:ext cx="5181600" cy="1700784"/>
+            <a:off x="11576338" y="5329589"/>
+            <a:ext cx="12326696" cy="6405211"/>
           </a:xfrm>
           <a:prstGeom prst="rect">
             <a:avLst/>
@@ -9496,7 +9564,7 @@
       </p:grpSpPr>
       <p:sp>
         <p:nvSpPr>
-          <p:cNvPr id="109" name="Shape 109"/>
+          <p:cNvPr id="110" name="Shape 110"/>
           <p:cNvSpPr/>
           <p:nvPr>
             <p:ph type="title"/>
@@ -9523,7 +9591,7 @@
       </p:sp>
       <p:sp>
         <p:nvSpPr>
-          <p:cNvPr id="110" name="Shape 110"/>
+          <p:cNvPr id="111" name="Shape 111"/>
           <p:cNvSpPr/>
           <p:nvPr>
             <p:ph type="body" idx="1"/>
@@ -9544,7 +9612,7 @@
       </p:sp>
       <p:pic>
         <p:nvPicPr>
-          <p:cNvPr id="111" name="dc_2.pdf"/>
+          <p:cNvPr id="112" name="dc_2.pdf"/>
           <p:cNvPicPr/>
           <p:nvPr/>
         </p:nvPicPr>
@@ -9598,7 +9666,7 @@
       </p:grpSpPr>
       <p:sp>
         <p:nvSpPr>
-          <p:cNvPr id="113" name="Shape 113"/>
+          <p:cNvPr id="114" name="Shape 114"/>
           <p:cNvSpPr/>
           <p:nvPr>
             <p:ph type="title"/>
@@ -9625,7 +9693,7 @@
       </p:sp>
       <p:sp>
         <p:nvSpPr>
-          <p:cNvPr id="114" name="Shape 114"/>
+          <p:cNvPr id="115" name="Shape 115"/>
           <p:cNvSpPr/>
           <p:nvPr/>
         </p:nvSpPr>
@@ -9656,7 +9724,7 @@
       </p:sp>
       <p:sp>
         <p:nvSpPr>
-          <p:cNvPr id="115" name="Shape 115"/>
+          <p:cNvPr id="116" name="Shape 116"/>
           <p:cNvSpPr/>
           <p:nvPr/>
         </p:nvSpPr>
@@ -9687,7 +9755,7 @@
       </p:sp>
       <p:sp>
         <p:nvSpPr>
-          <p:cNvPr id="116" name="Shape 116"/>
+          <p:cNvPr id="117" name="Shape 117"/>
           <p:cNvSpPr/>
           <p:nvPr/>
         </p:nvSpPr>
@@ -9718,7 +9786,7 @@
       </p:sp>
       <p:sp>
         <p:nvSpPr>
-          <p:cNvPr id="117" name="Shape 117"/>
+          <p:cNvPr id="118" name="Shape 118"/>
           <p:cNvSpPr/>
           <p:nvPr/>
         </p:nvSpPr>
@@ -9749,7 +9817,7 @@
       </p:sp>
       <p:sp>
         <p:nvSpPr>
-          <p:cNvPr id="118" name="Shape 118"/>
+          <p:cNvPr id="119" name="Shape 119"/>
           <p:cNvSpPr/>
           <p:nvPr/>
         </p:nvSpPr>
@@ -9793,7 +9861,7 @@
       </p:sp>
       <p:sp>
         <p:nvSpPr>
-          <p:cNvPr id="119" name="Shape 119"/>
+          <p:cNvPr id="120" name="Shape 120"/>
           <p:cNvSpPr/>
           <p:nvPr/>
         </p:nvSpPr>
@@ -9837,7 +9905,7 @@
       </p:sp>
       <p:sp>
         <p:nvSpPr>
-          <p:cNvPr id="120" name="Shape 120"/>
+          <p:cNvPr id="121" name="Shape 121"/>
           <p:cNvSpPr/>
           <p:nvPr/>
         </p:nvSpPr>
@@ -9874,14 +9942,14 @@
             </a:pPr>
             <a:r>
               <a:rPr sz="3700"/>
-              <a:t>Data centre</a:t>
-            </a:r>
-          </a:p>
-        </p:txBody>
-      </p:sp>
-      <p:sp>
-        <p:nvSpPr>
-          <p:cNvPr id="121" name="Shape 121"/>
+              <a:t>Data center</a:t>
+            </a:r>
+          </a:p>
+        </p:txBody>
+      </p:sp>
+      <p:sp>
+        <p:nvSpPr>
+          <p:cNvPr id="122" name="Shape 122"/>
           <p:cNvSpPr/>
           <p:nvPr/>
         </p:nvSpPr>
@@ -9918,14 +9986,14 @@
             </a:pPr>
             <a:r>
               <a:rPr sz="3700"/>
-              <a:t>Data centre</a:t>
-            </a:r>
-          </a:p>
-        </p:txBody>
-      </p:sp>
-      <p:sp>
-        <p:nvSpPr>
-          <p:cNvPr id="122" name="Shape 122"/>
+              <a:t>Data center</a:t>
+            </a:r>
+          </a:p>
+        </p:txBody>
+      </p:sp>
+      <p:sp>
+        <p:nvSpPr>
+          <p:cNvPr id="123" name="Shape 123"/>
           <p:cNvSpPr/>
           <p:nvPr/>
         </p:nvSpPr>
@@ -9962,14 +10030,14 @@
             </a:pPr>
             <a:r>
               <a:rPr sz="3700"/>
-              <a:t>Data centre</a:t>
-            </a:r>
-          </a:p>
-        </p:txBody>
-      </p:sp>
-      <p:sp>
-        <p:nvSpPr>
-          <p:cNvPr id="123" name="Shape 123"/>
+              <a:t>Data center</a:t>
+            </a:r>
+          </a:p>
+        </p:txBody>
+      </p:sp>
+      <p:sp>
+        <p:nvSpPr>
+          <p:cNvPr id="124" name="Shape 124"/>
           <p:cNvSpPr/>
           <p:nvPr/>
         </p:nvSpPr>
@@ -10006,14 +10074,14 @@
             </a:pPr>
             <a:r>
               <a:rPr sz="3700"/>
-              <a:t>Data centre</a:t>
-            </a:r>
-          </a:p>
-        </p:txBody>
-      </p:sp>
-      <p:sp>
-        <p:nvSpPr>
-          <p:cNvPr id="124" name="Shape 124"/>
+              <a:t>Data center</a:t>
+            </a:r>
+          </a:p>
+        </p:txBody>
+      </p:sp>
+      <p:sp>
+        <p:nvSpPr>
+          <p:cNvPr id="125" name="Shape 125"/>
           <p:cNvSpPr/>
           <p:nvPr/>
         </p:nvSpPr>
@@ -10050,14 +10118,14 @@
             </a:pPr>
             <a:r>
               <a:rPr sz="3700"/>
-              <a:t>Data centre</a:t>
-            </a:r>
-          </a:p>
-        </p:txBody>
-      </p:sp>
-      <p:sp>
-        <p:nvSpPr>
-          <p:cNvPr id="125" name="Shape 125"/>
+              <a:t>Data center</a:t>
+            </a:r>
+          </a:p>
+        </p:txBody>
+      </p:sp>
+      <p:sp>
+        <p:nvSpPr>
+          <p:cNvPr id="126" name="Shape 126"/>
           <p:cNvSpPr/>
           <p:nvPr/>
         </p:nvSpPr>
@@ -10094,14 +10162,14 @@
             </a:pPr>
             <a:r>
               <a:rPr sz="3700"/>
-              <a:t>Data centre</a:t>
-            </a:r>
-          </a:p>
-        </p:txBody>
-      </p:sp>
-      <p:sp>
-        <p:nvSpPr>
-          <p:cNvPr id="126" name="Shape 126"/>
+              <a:t>Data center</a:t>
+            </a:r>
+          </a:p>
+        </p:txBody>
+      </p:sp>
+      <p:sp>
+        <p:nvSpPr>
+          <p:cNvPr id="127" name="Shape 127"/>
           <p:cNvSpPr/>
           <p:nvPr/>
         </p:nvSpPr>
@@ -10138,14 +10206,14 @@
             </a:pPr>
             <a:r>
               <a:rPr sz="3700"/>
-              <a:t>Data centre</a:t>
-            </a:r>
-          </a:p>
-        </p:txBody>
-      </p:sp>
-      <p:sp>
-        <p:nvSpPr>
-          <p:cNvPr id="127" name="Shape 127"/>
+              <a:t>Data center</a:t>
+            </a:r>
+          </a:p>
+        </p:txBody>
+      </p:sp>
+      <p:sp>
+        <p:nvSpPr>
+          <p:cNvPr id="128" name="Shape 128"/>
           <p:cNvSpPr/>
           <p:nvPr/>
         </p:nvSpPr>
@@ -10183,7 +10251,7 @@
       </p:sp>
       <p:sp>
         <p:nvSpPr>
-          <p:cNvPr id="128" name="Shape 128"/>
+          <p:cNvPr id="129" name="Shape 129"/>
           <p:cNvSpPr/>
           <p:nvPr/>
         </p:nvSpPr>
@@ -10221,7 +10289,7 @@
       </p:sp>
       <p:sp>
         <p:nvSpPr>
-          <p:cNvPr id="129" name="Shape 129"/>
+          <p:cNvPr id="130" name="Shape 130"/>
           <p:cNvSpPr/>
           <p:nvPr/>
         </p:nvSpPr>
@@ -10259,7 +10327,7 @@
       </p:sp>
       <p:sp>
         <p:nvSpPr>
-          <p:cNvPr id="130" name="Shape 130"/>
+          <p:cNvPr id="131" name="Shape 131"/>
           <p:cNvSpPr/>
           <p:nvPr/>
         </p:nvSpPr>
@@ -10303,7 +10371,7 @@
       </p:sp>
       <p:sp>
         <p:nvSpPr>
-          <p:cNvPr id="131" name="Shape 131"/>
+          <p:cNvPr id="132" name="Shape 132"/>
           <p:cNvSpPr/>
           <p:nvPr/>
         </p:nvSpPr>
@@ -10347,7 +10415,7 @@
       </p:sp>
       <p:sp>
         <p:nvSpPr>
-          <p:cNvPr id="132" name="Shape 132"/>
+          <p:cNvPr id="133" name="Shape 133"/>
           <p:cNvSpPr/>
           <p:nvPr/>
         </p:nvSpPr>
@@ -10385,7 +10453,7 @@
       </p:sp>
       <p:sp>
         <p:nvSpPr>
-          <p:cNvPr id="133" name="Shape 133"/>
+          <p:cNvPr id="134" name="Shape 134"/>
           <p:cNvSpPr/>
           <p:nvPr>
             <p:ph type="body" idx="1"/>
@@ -10561,7 +10629,7 @@
                 <a:cs typeface="+mn-cs"/>
                 <a:sym typeface="Helvetica Neue Light"/>
               </a:rPr>
-              <a:t>Each member serves its affiliated data centres</a:t>
+              <a:t>Each member serves its affiliated data centers</a:t>
             </a:r>
             <a:endParaRPr sz="4940">
               <a:solidFill>

--- a/source/assets/tech_intro.pptx
+++ b/source/assets/tech_intro.pptx
@@ -4830,7 +4830,7 @@
             </a:pPr>
             <a:r>
               <a:rPr sz="4400"/>
-              <a:t>Datacentres</a:t>
+              <a:t>Datacenters</a:t>
             </a:r>
           </a:p>
         </p:txBody>
@@ -5764,7 +5764,7 @@
                   <a:srgbClr val="747474"/>
                 </a:solidFill>
               </a:rPr>
-              <a:t>A test prefix exists for all data centres 10. 5072</a:t>
+              <a:t>A test prefix exists for all data centers 10. 5072</a:t>
             </a:r>
           </a:p>
         </p:txBody>
@@ -9525,8 +9525,8 @@
         </p:blipFill>
         <p:spPr>
           <a:xfrm>
-            <a:off x="11576338" y="5329589"/>
-            <a:ext cx="12326696" cy="6405211"/>
+            <a:off x="11576339" y="5329589"/>
+            <a:ext cx="12326695" cy="6405211"/>
           </a:xfrm>
           <a:prstGeom prst="rect">
             <a:avLst/>
